--- a/contents/review.pptx
+++ b/contents/review.pptx
@@ -9,7 +9,6 @@
     <p:sldId id="300" r:id="rId3"/>
     <p:sldId id="297" r:id="rId4"/>
     <p:sldId id="299" r:id="rId5"/>
-    <p:sldId id="305" r:id="rId6"/>
   </p:sldIdLst>
   <p:sldSz cx="12192000" cy="6858000"/>
   <p:notesSz cx="6858000" cy="9144000"/>
@@ -262,7 +261,7 @@
           <a:lstStyle/>
           <a:p>
             <a:fld id="{1A643BF7-E2DE-1A46-8788-4C278B89FEED}" type="datetimeFigureOut">
-              <a:t>2023. 12. 2.</a:t>
+              <a:t>2023-12-04</a:t>
             </a:fld>
             <a:endParaRPr kumimoji="1" lang="ko-KR" altLang="en-US"/>
           </a:p>
@@ -458,7 +457,7 @@
           <a:lstStyle/>
           <a:p>
             <a:fld id="{1A643BF7-E2DE-1A46-8788-4C278B89FEED}" type="datetimeFigureOut">
-              <a:t>2023. 12. 2.</a:t>
+              <a:t>2023-12-04</a:t>
             </a:fld>
             <a:endParaRPr kumimoji="1" lang="ko-KR" altLang="en-US"/>
           </a:p>
@@ -664,7 +663,7 @@
           <a:lstStyle/>
           <a:p>
             <a:fld id="{1A643BF7-E2DE-1A46-8788-4C278B89FEED}" type="datetimeFigureOut">
-              <a:t>2023. 12. 2.</a:t>
+              <a:t>2023-12-04</a:t>
             </a:fld>
             <a:endParaRPr kumimoji="1" lang="ko-KR" altLang="en-US"/>
           </a:p>
@@ -860,7 +859,7 @@
           <a:lstStyle/>
           <a:p>
             <a:fld id="{1A643BF7-E2DE-1A46-8788-4C278B89FEED}" type="datetimeFigureOut">
-              <a:t>2023. 12. 2.</a:t>
+              <a:t>2023-12-04</a:t>
             </a:fld>
             <a:endParaRPr kumimoji="1" lang="ko-KR" altLang="en-US"/>
           </a:p>
@@ -1133,7 +1132,7 @@
           <a:lstStyle/>
           <a:p>
             <a:fld id="{1A643BF7-E2DE-1A46-8788-4C278B89FEED}" type="datetimeFigureOut">
-              <a:t>2023. 12. 2.</a:t>
+              <a:t>2023-12-04</a:t>
             </a:fld>
             <a:endParaRPr kumimoji="1" lang="ko-KR" altLang="en-US"/>
           </a:p>
@@ -1396,7 +1395,7 @@
           <a:lstStyle/>
           <a:p>
             <a:fld id="{1A643BF7-E2DE-1A46-8788-4C278B89FEED}" type="datetimeFigureOut">
-              <a:t>2023. 12. 2.</a:t>
+              <a:t>2023-12-04</a:t>
             </a:fld>
             <a:endParaRPr kumimoji="1" lang="ko-KR" altLang="en-US"/>
           </a:p>
@@ -1806,7 +1805,7 @@
           <a:lstStyle/>
           <a:p>
             <a:fld id="{1A643BF7-E2DE-1A46-8788-4C278B89FEED}" type="datetimeFigureOut">
-              <a:t>2023. 12. 2.</a:t>
+              <a:t>2023-12-04</a:t>
             </a:fld>
             <a:endParaRPr kumimoji="1" lang="ko-KR" altLang="en-US"/>
           </a:p>
@@ -1945,7 +1944,7 @@
           <a:lstStyle/>
           <a:p>
             <a:fld id="{1A643BF7-E2DE-1A46-8788-4C278B89FEED}" type="datetimeFigureOut">
-              <a:t>2023. 12. 2.</a:t>
+              <a:t>2023-12-04</a:t>
             </a:fld>
             <a:endParaRPr kumimoji="1" lang="ko-KR" altLang="en-US"/>
           </a:p>
@@ -2056,7 +2055,7 @@
           <a:lstStyle/>
           <a:p>
             <a:fld id="{1A643BF7-E2DE-1A46-8788-4C278B89FEED}" type="datetimeFigureOut">
-              <a:t>2023. 12. 2.</a:t>
+              <a:t>2023-12-04</a:t>
             </a:fld>
             <a:endParaRPr kumimoji="1" lang="ko-KR" altLang="en-US"/>
           </a:p>
@@ -2365,7 +2364,7 @@
           <a:lstStyle/>
           <a:p>
             <a:fld id="{1A643BF7-E2DE-1A46-8788-4C278B89FEED}" type="datetimeFigureOut">
-              <a:t>2023. 12. 2.</a:t>
+              <a:t>2023-12-04</a:t>
             </a:fld>
             <a:endParaRPr kumimoji="1" lang="ko-KR" altLang="en-US"/>
           </a:p>
@@ -2651,7 +2650,7 @@
           <a:lstStyle/>
           <a:p>
             <a:fld id="{1A643BF7-E2DE-1A46-8788-4C278B89FEED}" type="datetimeFigureOut">
-              <a:t>2023. 12. 2.</a:t>
+              <a:t>2023-12-04</a:t>
             </a:fld>
             <a:endParaRPr kumimoji="1" lang="ko-KR" altLang="en-US"/>
           </a:p>
@@ -2890,7 +2889,7 @@
           </a:lstStyle>
           <a:p>
             <a:fld id="{1A643BF7-E2DE-1A46-8788-4C278B89FEED}" type="datetimeFigureOut">
-              <a:t>2023. 12. 2.</a:t>
+              <a:t>2023-12-04</a:t>
             </a:fld>
             <a:endParaRPr kumimoji="1" lang="ko-KR" altLang="en-US"/>
           </a:p>
@@ -4486,14 +4485,34 @@
               <a:buNone/>
             </a:pPr>
             <a:r>
-              <a:rPr lang="en-US" altLang="ko-KR" sz="1200">
-                <a:solidFill>
-                  <a:schemeClr val="accent6"/>
-                </a:solidFill>
-                <a:latin typeface="NanumBarunGothic" panose="020B0603020101020101" pitchFamily="34" charset="-127"/>
-                <a:ea typeface="NanumBarunGothic" panose="020B0603020101020101" pitchFamily="34" charset="-127"/>
-              </a:rPr>
-              <a:t>1. The Authors have mentioned three corpus in papers i.e. Sejong, UCorpus and Everyone corpus. The Authors should mention detailed information of Sejong corpus (i.e. the characteristics, figures (in no's) and how they are using the corpus). They should mention information of all three corpus in separate paragraph after Introduction section. (Also mention the purpose of each corpus in paper). They can also mention the count of sentences/words using from all three corpus in tabular form.</a:t>
+              <a:rPr lang="en-US" altLang="ko-KR" sz="1200" dirty="0">
+                <a:solidFill>
+                  <a:schemeClr val="accent6"/>
+                </a:solidFill>
+                <a:latin typeface="NanumBarunGothic" panose="020B0603020101020101" pitchFamily="34" charset="-127"/>
+                <a:ea typeface="NanumBarunGothic" panose="020B0603020101020101" pitchFamily="34" charset="-127"/>
+              </a:rPr>
+              <a:t>1. The Authors have mentioned three corpus in papers i.e. Sejong, </a:t>
+            </a:r>
+            <a:r>
+              <a:rPr lang="en-US" altLang="ko-KR" sz="1200" dirty="0" err="1">
+                <a:solidFill>
+                  <a:schemeClr val="accent6"/>
+                </a:solidFill>
+                <a:latin typeface="NanumBarunGothic" panose="020B0603020101020101" pitchFamily="34" charset="-127"/>
+                <a:ea typeface="NanumBarunGothic" panose="020B0603020101020101" pitchFamily="34" charset="-127"/>
+              </a:rPr>
+              <a:t>UCorpus</a:t>
+            </a:r>
+            <a:r>
+              <a:rPr lang="en-US" altLang="ko-KR" sz="1200" dirty="0">
+                <a:solidFill>
+                  <a:schemeClr val="accent6"/>
+                </a:solidFill>
+                <a:latin typeface="NanumBarunGothic" panose="020B0603020101020101" pitchFamily="34" charset="-127"/>
+                <a:ea typeface="NanumBarunGothic" panose="020B0603020101020101" pitchFamily="34" charset="-127"/>
+              </a:rPr>
+              <a:t> and Everyone corpus. The Authors should mention detailed information of Sejong corpus (i.e. the characteristics, figures (in no's) and how they are using the corpus). They should mention information of all three corpus in separate paragraph after Introduction section. (Also mention the purpose of each corpus in paper). They can also mention the count of sentences/words using from all three corpus in tabular form.</a:t>
             </a:r>
           </a:p>
           <a:p>
@@ -4504,7 +4523,7 @@
               <a:buNone/>
             </a:pPr>
             <a:r>
-              <a:rPr lang="en-US" altLang="ko-KR" sz="1200">
+              <a:rPr lang="en-US" altLang="ko-KR" sz="1200" dirty="0">
                 <a:solidFill>
                   <a:schemeClr val="accent6"/>
                 </a:solidFill>
@@ -4522,7 +4541,7 @@
               <a:buNone/>
             </a:pPr>
             <a:r>
-              <a:rPr lang="en-US" altLang="ko-KR" sz="1200">
+              <a:rPr lang="en-US" altLang="ko-KR" sz="1200" dirty="0">
                 <a:solidFill>
                   <a:schemeClr val="accent6"/>
                 </a:solidFill>
@@ -4540,7 +4559,10 @@
               <a:buNone/>
             </a:pPr>
             <a:r>
-              <a:rPr lang="en-US" altLang="ko-KR" sz="1200">
+              <a:rPr lang="en-US" altLang="ko-KR" sz="1200" dirty="0">
+                <a:solidFill>
+                  <a:schemeClr val="accent6"/>
+                </a:solidFill>
                 <a:latin typeface="NanumBarunGothic" panose="020B0603020101020101" pitchFamily="34" charset="-127"/>
                 <a:ea typeface="NanumBarunGothic" panose="020B0603020101020101" pitchFamily="34" charset="-127"/>
               </a:rPr>
@@ -4555,11 +4577,25 @@
               <a:buNone/>
             </a:pPr>
             <a:r>
-              <a:rPr lang="en-US" altLang="ko-KR" sz="1200">
-                <a:latin typeface="NanumBarunGothic" panose="020B0603020101020101" pitchFamily="34" charset="-127"/>
-                <a:ea typeface="NanumBarunGothic" panose="020B0603020101020101" pitchFamily="34" charset="-127"/>
-              </a:rPr>
-              <a:t>5. The Author should provide some more information on three pre-trained language models, KPF-BERT, ETRI-ELECTRA, and ETRI-RoBERTa, which they are using to fine-tune their re-ranking model.</a:t>
+              <a:rPr lang="en-US" altLang="ko-KR" sz="1200" dirty="0">
+                <a:latin typeface="NanumBarunGothic" panose="020B0603020101020101" pitchFamily="34" charset="-127"/>
+                <a:ea typeface="NanumBarunGothic" panose="020B0603020101020101" pitchFamily="34" charset="-127"/>
+              </a:rPr>
+              <a:t>5. The Author should provide some more information on three pre-trained language models, KPF-BERT, ETRI-ELECTRA, and ETRI-</a:t>
+            </a:r>
+            <a:r>
+              <a:rPr lang="en-US" altLang="ko-KR" sz="1200" dirty="0" err="1">
+                <a:latin typeface="NanumBarunGothic" panose="020B0603020101020101" pitchFamily="34" charset="-127"/>
+                <a:ea typeface="NanumBarunGothic" panose="020B0603020101020101" pitchFamily="34" charset="-127"/>
+              </a:rPr>
+              <a:t>RoBERTa</a:t>
+            </a:r>
+            <a:r>
+              <a:rPr lang="en-US" altLang="ko-KR" sz="1200" dirty="0">
+                <a:latin typeface="NanumBarunGothic" panose="020B0603020101020101" pitchFamily="34" charset="-127"/>
+                <a:ea typeface="NanumBarunGothic" panose="020B0603020101020101" pitchFamily="34" charset="-127"/>
+              </a:rPr>
+              <a:t>, which they are using to fine-tune their re-ranking model.</a:t>
             </a:r>
           </a:p>
           <a:p>
@@ -4570,11 +4606,25 @@
               <a:buNone/>
             </a:pPr>
             <a:r>
-              <a:rPr lang="en-US" altLang="ko-KR" sz="1200">
-                <a:latin typeface="NanumBarunGothic" panose="020B0603020101020101" pitchFamily="34" charset="-127"/>
-                <a:ea typeface="NanumBarunGothic" panose="020B0603020101020101" pitchFamily="34" charset="-127"/>
-              </a:rPr>
-              <a:t>6. The Author should define evaluation parameters "eojeol" accuracy and "morpheme F1" score.</a:t>
+              <a:rPr lang="en-US" altLang="ko-KR" sz="1200" dirty="0">
+                <a:latin typeface="NanumBarunGothic" panose="020B0603020101020101" pitchFamily="34" charset="-127"/>
+                <a:ea typeface="NanumBarunGothic" panose="020B0603020101020101" pitchFamily="34" charset="-127"/>
+              </a:rPr>
+              <a:t>6. The Author should define evaluation parameters "</a:t>
+            </a:r>
+            <a:r>
+              <a:rPr lang="en-US" altLang="ko-KR" sz="1200" dirty="0" err="1">
+                <a:latin typeface="NanumBarunGothic" panose="020B0603020101020101" pitchFamily="34" charset="-127"/>
+                <a:ea typeface="NanumBarunGothic" panose="020B0603020101020101" pitchFamily="34" charset="-127"/>
+              </a:rPr>
+              <a:t>eojeol</a:t>
+            </a:r>
+            <a:r>
+              <a:rPr lang="en-US" altLang="ko-KR" sz="1200" dirty="0">
+                <a:latin typeface="NanumBarunGothic" panose="020B0603020101020101" pitchFamily="34" charset="-127"/>
+                <a:ea typeface="NanumBarunGothic" panose="020B0603020101020101" pitchFamily="34" charset="-127"/>
+              </a:rPr>
+              <a:t>" accuracy and "morpheme F1" score.</a:t>
             </a:r>
           </a:p>
           <a:p>
@@ -4585,7 +4635,7 @@
               <a:buNone/>
             </a:pPr>
             <a:r>
-              <a:rPr lang="en-US" altLang="ko-KR" sz="1200">
+              <a:rPr lang="en-US" altLang="ko-KR" sz="1200" dirty="0">
                 <a:solidFill>
                   <a:schemeClr val="accent6"/>
                 </a:solidFill>
@@ -4603,7 +4653,7 @@
               <a:buNone/>
             </a:pPr>
             <a:r>
-              <a:rPr lang="en-US" altLang="ko-KR" sz="1200">
+              <a:rPr lang="en-US" altLang="ko-KR" sz="1200" dirty="0">
                 <a:latin typeface="NanumBarunGothic" panose="020B0603020101020101" pitchFamily="34" charset="-127"/>
                 <a:ea typeface="NanumBarunGothic" panose="020B0603020101020101" pitchFamily="34" charset="-127"/>
               </a:rPr>
@@ -4647,7 +4697,7 @@
               <a:buNone/>
             </a:pPr>
             <a:r>
-              <a:rPr lang="en-US" altLang="ko-KR" sz="1200">
+              <a:rPr lang="en-US" altLang="ko-KR" sz="1200" dirty="0">
                 <a:solidFill>
                   <a:schemeClr val="accent6"/>
                 </a:solidFill>
@@ -4657,7 +4707,7 @@
               <a:t>1. </a:t>
             </a:r>
             <a:r>
-              <a:rPr lang="ko-KR" altLang="en-US" sz="1200">
+              <a:rPr lang="ko-KR" altLang="en-US" sz="1200" dirty="0">
                 <a:solidFill>
                   <a:schemeClr val="accent6"/>
                 </a:solidFill>
@@ -4667,7 +4717,7 @@
               <a:t>저자들은 논문에서 세 개의 말뭉치</a:t>
             </a:r>
             <a:r>
-              <a:rPr lang="en-US" altLang="ko-KR" sz="1200">
+              <a:rPr lang="en-US" altLang="ko-KR" sz="1200" dirty="0">
                 <a:solidFill>
                   <a:schemeClr val="accent6"/>
                 </a:solidFill>
@@ -4677,7 +4727,7 @@
               <a:t>, </a:t>
             </a:r>
             <a:r>
-              <a:rPr lang="ko-KR" altLang="en-US" sz="1200">
+              <a:rPr lang="ko-KR" altLang="en-US" sz="1200" dirty="0">
                 <a:solidFill>
                   <a:schemeClr val="accent6"/>
                 </a:solidFill>
@@ -4687,7 +4737,7 @@
               <a:t>즉 세종</a:t>
             </a:r>
             <a:r>
-              <a:rPr lang="en-US" altLang="ko-KR" sz="1200">
+              <a:rPr lang="en-US" altLang="ko-KR" sz="1200" dirty="0">
                 <a:solidFill>
                   <a:schemeClr val="accent6"/>
                 </a:solidFill>
@@ -4697,7 +4747,7 @@
               <a:t>, </a:t>
             </a:r>
             <a:r>
-              <a:rPr lang="ko-KR" altLang="en-US" sz="1200">
+              <a:rPr lang="ko-KR" altLang="en-US" sz="1200" dirty="0" err="1">
                 <a:solidFill>
                   <a:schemeClr val="accent6"/>
                 </a:solidFill>
@@ -4707,7 +4757,7 @@
               <a:t>유코퍼스</a:t>
             </a:r>
             <a:r>
-              <a:rPr lang="en-US" altLang="ko-KR" sz="1200">
+              <a:rPr lang="en-US" altLang="ko-KR" sz="1200" dirty="0">
                 <a:solidFill>
                   <a:schemeClr val="accent6"/>
                 </a:solidFill>
@@ -4717,17 +4767,27 @@
               <a:t>, </a:t>
             </a:r>
             <a:r>
-              <a:rPr lang="ko-KR" altLang="en-US" sz="1200">
-                <a:solidFill>
-                  <a:schemeClr val="accent6"/>
-                </a:solidFill>
-                <a:latin typeface="NanumBarunGothic" panose="020B0603020101020101" pitchFamily="34" charset="-127"/>
-                <a:ea typeface="NanumBarunGothic" panose="020B0603020101020101" pitchFamily="34" charset="-127"/>
-              </a:rPr>
-              <a:t>에브리원 말뭉치를 언급했습니다</a:t>
-            </a:r>
-            <a:r>
-              <a:rPr lang="en-US" altLang="ko-KR" sz="1200">
+              <a:rPr lang="ko-KR" altLang="en-US" sz="1200" dirty="0" err="1">
+                <a:solidFill>
+                  <a:schemeClr val="accent6"/>
+                </a:solidFill>
+                <a:latin typeface="NanumBarunGothic" panose="020B0603020101020101" pitchFamily="34" charset="-127"/>
+                <a:ea typeface="NanumBarunGothic" panose="020B0603020101020101" pitchFamily="34" charset="-127"/>
+              </a:rPr>
+              <a:t>에브리원</a:t>
+            </a:r>
+            <a:r>
+              <a:rPr lang="ko-KR" altLang="en-US" sz="1200" dirty="0">
+                <a:solidFill>
+                  <a:schemeClr val="accent6"/>
+                </a:solidFill>
+                <a:latin typeface="NanumBarunGothic" panose="020B0603020101020101" pitchFamily="34" charset="-127"/>
+                <a:ea typeface="NanumBarunGothic" panose="020B0603020101020101" pitchFamily="34" charset="-127"/>
+              </a:rPr>
+              <a:t> 말뭉치를 언급했습니다</a:t>
+            </a:r>
+            <a:r>
+              <a:rPr lang="en-US" altLang="ko-KR" sz="1200" dirty="0">
                 <a:solidFill>
                   <a:schemeClr val="accent6"/>
                 </a:solidFill>
@@ -4737,7 +4797,7 @@
               <a:t>. </a:t>
             </a:r>
             <a:r>
-              <a:rPr lang="ko-KR" altLang="en-US" sz="1200">
+              <a:rPr lang="ko-KR" altLang="en-US" sz="1200" dirty="0">
                 <a:solidFill>
                   <a:schemeClr val="accent6"/>
                 </a:solidFill>
@@ -4747,7 +4807,7 @@
               <a:t>저자는 세종 말뭉치에 대한 자세한 정보</a:t>
             </a:r>
             <a:r>
-              <a:rPr lang="en-US" altLang="ko-KR" sz="1200">
+              <a:rPr lang="en-US" altLang="ko-KR" sz="1200" dirty="0">
                 <a:solidFill>
                   <a:schemeClr val="accent6"/>
                 </a:solidFill>
@@ -4757,7 +4817,7 @@
               <a:t>(</a:t>
             </a:r>
             <a:r>
-              <a:rPr lang="ko-KR" altLang="en-US" sz="1200">
+              <a:rPr lang="ko-KR" altLang="en-US" sz="1200" dirty="0">
                 <a:solidFill>
                   <a:schemeClr val="accent6"/>
                 </a:solidFill>
@@ -4767,7 +4827,7 @@
               <a:t>예</a:t>
             </a:r>
             <a:r>
-              <a:rPr lang="en-US" altLang="ko-KR" sz="1200">
+              <a:rPr lang="en-US" altLang="ko-KR" sz="1200" dirty="0">
                 <a:solidFill>
                   <a:schemeClr val="accent6"/>
                 </a:solidFill>
@@ -4777,7 +4837,7 @@
               <a:t>: </a:t>
             </a:r>
             <a:r>
-              <a:rPr lang="ko-KR" altLang="en-US" sz="1200">
+              <a:rPr lang="ko-KR" altLang="en-US" sz="1200" dirty="0">
                 <a:solidFill>
                   <a:schemeClr val="accent6"/>
                 </a:solidFill>
@@ -4787,7 +4847,7 @@
               <a:t>말뭉치의 특징</a:t>
             </a:r>
             <a:r>
-              <a:rPr lang="en-US" altLang="ko-KR" sz="1200">
+              <a:rPr lang="en-US" altLang="ko-KR" sz="1200" dirty="0">
                 <a:solidFill>
                   <a:schemeClr val="accent6"/>
                 </a:solidFill>
@@ -4797,7 +4857,7 @@
               <a:t>, </a:t>
             </a:r>
             <a:r>
-              <a:rPr lang="ko-KR" altLang="en-US" sz="1200">
+              <a:rPr lang="ko-KR" altLang="en-US" sz="1200" dirty="0">
                 <a:solidFill>
                   <a:schemeClr val="accent6"/>
                 </a:solidFill>
@@ -4807,7 +4867,7 @@
               <a:t>수치</a:t>
             </a:r>
             <a:r>
-              <a:rPr lang="en-US" altLang="ko-KR" sz="1200">
+              <a:rPr lang="en-US" altLang="ko-KR" sz="1200" dirty="0">
                 <a:solidFill>
                   <a:schemeClr val="accent6"/>
                 </a:solidFill>
@@ -4817,7 +4877,7 @@
               <a:t>(</a:t>
             </a:r>
             <a:r>
-              <a:rPr lang="ko-KR" altLang="en-US" sz="1200">
+              <a:rPr lang="ko-KR" altLang="en-US" sz="1200" dirty="0" err="1">
                 <a:solidFill>
                   <a:schemeClr val="accent6"/>
                 </a:solidFill>
@@ -4827,7 +4887,7 @@
               <a:t>아니오</a:t>
             </a:r>
             <a:r>
-              <a:rPr lang="en-US" altLang="ko-KR" sz="1200">
+              <a:rPr lang="en-US" altLang="ko-KR" sz="1200" dirty="0">
                 <a:solidFill>
                   <a:schemeClr val="accent6"/>
                 </a:solidFill>
@@ -4837,7 +4897,7 @@
               <a:t>), </a:t>
             </a:r>
             <a:r>
-              <a:rPr lang="ko-KR" altLang="en-US" sz="1200">
+              <a:rPr lang="ko-KR" altLang="en-US" sz="1200" dirty="0">
                 <a:solidFill>
                   <a:schemeClr val="accent6"/>
                 </a:solidFill>
@@ -4847,7 +4907,7 @@
               <a:t>말뭉치 활용 방법</a:t>
             </a:r>
             <a:r>
-              <a:rPr lang="en-US" altLang="ko-KR" sz="1200">
+              <a:rPr lang="en-US" altLang="ko-KR" sz="1200" dirty="0">
                 <a:solidFill>
                   <a:schemeClr val="accent6"/>
                 </a:solidFill>
@@ -4857,7 +4917,7 @@
               <a:t>)</a:t>
             </a:r>
             <a:r>
-              <a:rPr lang="ko-KR" altLang="en-US" sz="1200">
+              <a:rPr lang="ko-KR" altLang="en-US" sz="1200" dirty="0">
                 <a:solidFill>
                   <a:schemeClr val="accent6"/>
                 </a:solidFill>
@@ -4867,7 +4927,7 @@
               <a:t>를 언급해야 합니다</a:t>
             </a:r>
             <a:r>
-              <a:rPr lang="en-US" altLang="ko-KR" sz="1200">
+              <a:rPr lang="en-US" altLang="ko-KR" sz="1200" dirty="0">
                 <a:solidFill>
                   <a:schemeClr val="accent6"/>
                 </a:solidFill>
@@ -4877,7 +4937,7 @@
               <a:t>. </a:t>
             </a:r>
             <a:r>
-              <a:rPr lang="ko-KR" altLang="en-US" sz="1200">
+              <a:rPr lang="ko-KR" altLang="en-US" sz="1200" dirty="0">
                 <a:solidFill>
                   <a:schemeClr val="accent6"/>
                 </a:solidFill>
@@ -4887,7 +4947,7 @@
               <a:t>세 말뭉치 모두에 대한 정보는 서론 뒤 별도의 단락에 언급해야 합니다</a:t>
             </a:r>
             <a:r>
-              <a:rPr lang="en-US" altLang="ko-KR" sz="1200">
+              <a:rPr lang="en-US" altLang="ko-KR" sz="1200" dirty="0">
                 <a:solidFill>
                   <a:schemeClr val="accent6"/>
                 </a:solidFill>
@@ -4897,7 +4957,7 @@
               <a:t>. (</a:t>
             </a:r>
             <a:r>
-              <a:rPr lang="ko-KR" altLang="en-US" sz="1200">
+              <a:rPr lang="ko-KR" altLang="en-US" sz="1200" dirty="0">
                 <a:solidFill>
                   <a:schemeClr val="accent6"/>
                 </a:solidFill>
@@ -4907,7 +4967,7 @@
               <a:t>또한 각 말뭉치의 용도에 대해서도 언급해야 합니다</a:t>
             </a:r>
             <a:r>
-              <a:rPr lang="en-US" altLang="ko-KR" sz="1200">
+              <a:rPr lang="en-US" altLang="ko-KR" sz="1200" dirty="0">
                 <a:solidFill>
                   <a:schemeClr val="accent6"/>
                 </a:solidFill>
@@ -4917,7 +4977,7 @@
               <a:t>). </a:t>
             </a:r>
             <a:r>
-              <a:rPr lang="ko-KR" altLang="en-US" sz="1200">
+              <a:rPr lang="ko-KR" altLang="en-US" sz="1200" dirty="0">
                 <a:solidFill>
                   <a:schemeClr val="accent6"/>
                 </a:solidFill>
@@ -4927,7 +4987,7 @@
               <a:t>또한 세 말뭉치 모두에서 사용한 문장</a:t>
             </a:r>
             <a:r>
-              <a:rPr lang="en-US" altLang="ko-KR" sz="1200">
+              <a:rPr lang="en-US" altLang="ko-KR" sz="1200" dirty="0">
                 <a:solidFill>
                   <a:schemeClr val="accent6"/>
                 </a:solidFill>
@@ -4937,7 +4997,7 @@
               <a:t>/</a:t>
             </a:r>
             <a:r>
-              <a:rPr lang="ko-KR" altLang="en-US" sz="1200">
+              <a:rPr lang="ko-KR" altLang="en-US" sz="1200" dirty="0">
                 <a:solidFill>
                   <a:schemeClr val="accent6"/>
                 </a:solidFill>
@@ -4947,7 +5007,7 @@
               <a:t>단어 개수를 표 형식으로 언급할 수도 있습니다</a:t>
             </a:r>
             <a:r>
-              <a:rPr lang="en-US" altLang="ko-KR" sz="1200">
+              <a:rPr lang="en-US" altLang="ko-KR" sz="1200" dirty="0">
                 <a:solidFill>
                   <a:schemeClr val="accent6"/>
                 </a:solidFill>
@@ -4965,7 +5025,7 @@
               <a:buNone/>
             </a:pPr>
             <a:r>
-              <a:rPr lang="en-US" altLang="ko-KR" sz="1200">
+              <a:rPr lang="en-US" altLang="ko-KR" sz="1200" dirty="0">
                 <a:solidFill>
                   <a:schemeClr val="accent6"/>
                 </a:solidFill>
@@ -4975,7 +5035,7 @@
               <a:t>2. </a:t>
             </a:r>
             <a:r>
-              <a:rPr lang="ko-KR" altLang="en-US" sz="1200">
+              <a:rPr lang="ko-KR" altLang="en-US" sz="1200" dirty="0">
                 <a:solidFill>
                   <a:schemeClr val="accent6"/>
                 </a:solidFill>
@@ -4985,7 +5045,7 @@
               <a:t>관련 작업 섹션에서 저자는 다양한 형태소 분석 방법을 참고 형식으로 언급합니다</a:t>
             </a:r>
             <a:r>
-              <a:rPr lang="en-US" altLang="ko-KR" sz="1200">
+              <a:rPr lang="en-US" altLang="ko-KR" sz="1200" dirty="0">
                 <a:solidFill>
                   <a:schemeClr val="accent6"/>
                 </a:solidFill>
@@ -4995,7 +5055,7 @@
               <a:t>. </a:t>
             </a:r>
             <a:r>
-              <a:rPr lang="ko-KR" altLang="en-US" sz="1200">
+              <a:rPr lang="ko-KR" altLang="en-US" sz="1200" dirty="0">
                 <a:solidFill>
                   <a:schemeClr val="accent6"/>
                 </a:solidFill>
@@ -5005,7 +5065,7 @@
               <a:t>과거에 사용했던 방법들을 표 형식으로 간략하게 설명할 수 있습니다</a:t>
             </a:r>
             <a:r>
-              <a:rPr lang="en-US" altLang="ko-KR" sz="1200">
+              <a:rPr lang="en-US" altLang="ko-KR" sz="1200" dirty="0">
                 <a:solidFill>
                   <a:schemeClr val="accent6"/>
                 </a:solidFill>
@@ -5023,7 +5083,7 @@
               <a:buNone/>
             </a:pPr>
             <a:r>
-              <a:rPr lang="en-US" altLang="ko-KR" sz="1200">
+              <a:rPr lang="en-US" altLang="ko-KR" sz="1200" dirty="0">
                 <a:solidFill>
                   <a:schemeClr val="accent6"/>
                 </a:solidFill>
@@ -5033,17 +5093,37 @@
               <a:t>3. </a:t>
             </a:r>
             <a:r>
-              <a:rPr lang="ko-KR" altLang="en-US" sz="1200">
-                <a:solidFill>
-                  <a:schemeClr val="accent6"/>
-                </a:solidFill>
-                <a:latin typeface="NanumBarunGothic" panose="020B0603020101020101" pitchFamily="34" charset="-127"/>
-                <a:ea typeface="NanumBarunGothic" panose="020B0603020101020101" pitchFamily="34" charset="-127"/>
-              </a:rPr>
-              <a:t>저자들은 형태소 분석을 위한 기존의 딥러닝 방법과 자신들이 제안한 방법과 어떻게 다른지에 대한 정보를 추가해야 합니다</a:t>
-            </a:r>
-            <a:r>
-              <a:rPr lang="en-US" altLang="ko-KR" sz="1200">
+              <a:rPr lang="ko-KR" altLang="en-US" sz="1200" dirty="0">
+                <a:solidFill>
+                  <a:schemeClr val="accent6"/>
+                </a:solidFill>
+                <a:latin typeface="NanumBarunGothic" panose="020B0603020101020101" pitchFamily="34" charset="-127"/>
+                <a:ea typeface="NanumBarunGothic" panose="020B0603020101020101" pitchFamily="34" charset="-127"/>
+              </a:rPr>
+              <a:t>저자들은 형태소 분석을 위한 기존의 딥러닝 방법과 자신들이 제안한 방법과 어떻게 </a:t>
+            </a:r>
+            <a:r>
+              <a:rPr lang="ko-KR" altLang="en-US" sz="1200" dirty="0" err="1">
+                <a:solidFill>
+                  <a:schemeClr val="accent6"/>
+                </a:solidFill>
+                <a:latin typeface="NanumBarunGothic" panose="020B0603020101020101" pitchFamily="34" charset="-127"/>
+                <a:ea typeface="NanumBarunGothic" panose="020B0603020101020101" pitchFamily="34" charset="-127"/>
+              </a:rPr>
+              <a:t>다른지에</a:t>
+            </a:r>
+            <a:r>
+              <a:rPr lang="ko-KR" altLang="en-US" sz="1200" dirty="0">
+                <a:solidFill>
+                  <a:schemeClr val="accent6"/>
+                </a:solidFill>
+                <a:latin typeface="NanumBarunGothic" panose="020B0603020101020101" pitchFamily="34" charset="-127"/>
+                <a:ea typeface="NanumBarunGothic" panose="020B0603020101020101" pitchFamily="34" charset="-127"/>
+              </a:rPr>
+              <a:t> 대한 정보를 추가해야 합니다</a:t>
+            </a:r>
+            <a:r>
+              <a:rPr lang="en-US" altLang="ko-KR" sz="1200" dirty="0">
                 <a:solidFill>
                   <a:schemeClr val="accent6"/>
                 </a:solidFill>
@@ -5061,49 +5141,70 @@
               <a:buNone/>
             </a:pPr>
             <a:r>
-              <a:rPr lang="en-US" altLang="ko-KR" sz="1200">
+              <a:rPr lang="en-US" altLang="ko-KR" sz="1200" dirty="0">
+                <a:solidFill>
+                  <a:schemeClr val="accent6"/>
+                </a:solidFill>
                 <a:latin typeface="NanumBarunGothic" panose="020B0603020101020101" pitchFamily="34" charset="-127"/>
                 <a:ea typeface="NanumBarunGothic" panose="020B0603020101020101" pitchFamily="34" charset="-127"/>
               </a:rPr>
               <a:t>4. </a:t>
             </a:r>
             <a:r>
-              <a:rPr lang="ko-KR" altLang="en-US" sz="1200">
+              <a:rPr lang="ko-KR" altLang="en-US" sz="1200" dirty="0">
+                <a:solidFill>
+                  <a:schemeClr val="accent6"/>
+                </a:solidFill>
                 <a:latin typeface="NanumBarunGothic" panose="020B0603020101020101" pitchFamily="34" charset="-127"/>
                 <a:ea typeface="NanumBarunGothic" panose="020B0603020101020101" pitchFamily="34" charset="-127"/>
               </a:rPr>
               <a:t>저자는 자신이 제안한 형태소 분석 방법</a:t>
             </a:r>
             <a:r>
-              <a:rPr lang="en-US" altLang="ko-KR" sz="1200">
+              <a:rPr lang="en-US" altLang="ko-KR" sz="1200" dirty="0">
+                <a:solidFill>
+                  <a:schemeClr val="accent6"/>
+                </a:solidFill>
                 <a:latin typeface="NanumBarunGothic" panose="020B0603020101020101" pitchFamily="34" charset="-127"/>
                 <a:ea typeface="NanumBarunGothic" panose="020B0603020101020101" pitchFamily="34" charset="-127"/>
               </a:rPr>
               <a:t>(Re-ranking BERT </a:t>
             </a:r>
             <a:r>
-              <a:rPr lang="ko-KR" altLang="en-US" sz="1200">
+              <a:rPr lang="ko-KR" altLang="en-US" sz="1200" dirty="0">
+                <a:solidFill>
+                  <a:schemeClr val="accent6"/>
+                </a:solidFill>
                 <a:latin typeface="NanumBarunGothic" panose="020B0603020101020101" pitchFamily="34" charset="-127"/>
                 <a:ea typeface="NanumBarunGothic" panose="020B0603020101020101" pitchFamily="34" charset="-127"/>
               </a:rPr>
               <a:t>방법</a:t>
             </a:r>
             <a:r>
-              <a:rPr lang="en-US" altLang="ko-KR" sz="1200">
+              <a:rPr lang="en-US" altLang="ko-KR" sz="1200" dirty="0">
+                <a:solidFill>
+                  <a:schemeClr val="accent6"/>
+                </a:solidFill>
                 <a:latin typeface="NanumBarunGothic" panose="020B0603020101020101" pitchFamily="34" charset="-127"/>
                 <a:ea typeface="NanumBarunGothic" panose="020B0603020101020101" pitchFamily="34" charset="-127"/>
               </a:rPr>
               <a:t>)</a:t>
             </a:r>
             <a:r>
-              <a:rPr lang="ko-KR" altLang="en-US" sz="1200">
+              <a:rPr lang="ko-KR" altLang="en-US" sz="1200" dirty="0">
+                <a:solidFill>
+                  <a:schemeClr val="accent6"/>
+                </a:solidFill>
                 <a:latin typeface="NanumBarunGothic" panose="020B0603020101020101" pitchFamily="34" charset="-127"/>
                 <a:ea typeface="NanumBarunGothic" panose="020B0603020101020101" pitchFamily="34" charset="-127"/>
               </a:rPr>
               <a:t>의 단계별 과정을 블록 다이어그램 형식으로 보여줘야 합니다</a:t>
             </a:r>
             <a:r>
-              <a:rPr lang="en-US" altLang="ko-KR" sz="1200">
+              <a:rPr lang="en-US" altLang="ko-KR" sz="1200" dirty="0">
+                <a:solidFill>
+                  <a:schemeClr val="accent6"/>
+                </a:solidFill>
                 <a:latin typeface="NanumBarunGothic" panose="020B0603020101020101" pitchFamily="34" charset="-127"/>
                 <a:ea typeface="NanumBarunGothic" panose="020B0603020101020101" pitchFamily="34" charset="-127"/>
               </a:rPr>
@@ -5118,35 +5219,49 @@
               <a:buNone/>
             </a:pPr>
             <a:r>
-              <a:rPr lang="en-US" altLang="ko-KR" sz="1200">
+              <a:rPr lang="en-US" altLang="ko-KR" sz="1200" dirty="0">
                 <a:latin typeface="NanumBarunGothic" panose="020B0603020101020101" pitchFamily="34" charset="-127"/>
                 <a:ea typeface="NanumBarunGothic" panose="020B0603020101020101" pitchFamily="34" charset="-127"/>
               </a:rPr>
               <a:t>5. </a:t>
             </a:r>
             <a:r>
-              <a:rPr lang="ko-KR" altLang="en-US" sz="1200">
+              <a:rPr lang="ko-KR" altLang="en-US" sz="1200" dirty="0">
                 <a:latin typeface="NanumBarunGothic" panose="020B0603020101020101" pitchFamily="34" charset="-127"/>
                 <a:ea typeface="NanumBarunGothic" panose="020B0603020101020101" pitchFamily="34" charset="-127"/>
               </a:rPr>
               <a:t>저자는 자신의 재순위화 모델을 세밀하게 조정하기 위해 사용하고 있는 사전 학습된 언어 모델 세 가지</a:t>
             </a:r>
             <a:r>
-              <a:rPr lang="en-US" altLang="ko-KR" sz="1200">
-                <a:latin typeface="NanumBarunGothic" panose="020B0603020101020101" pitchFamily="34" charset="-127"/>
-                <a:ea typeface="NanumBarunGothic" panose="020B0603020101020101" pitchFamily="34" charset="-127"/>
-              </a:rPr>
-              <a:t>(KPF-BERT, ETRI-ELECTRA, ETRI-RoBERTa)</a:t>
-            </a:r>
-            <a:r>
-              <a:rPr lang="ko-KR" altLang="en-US" sz="1200">
+              <a:rPr lang="en-US" altLang="ko-KR" sz="1200" dirty="0">
+                <a:latin typeface="NanumBarunGothic" panose="020B0603020101020101" pitchFamily="34" charset="-127"/>
+                <a:ea typeface="NanumBarunGothic" panose="020B0603020101020101" pitchFamily="34" charset="-127"/>
+              </a:rPr>
+              <a:t>(KPF-BERT, ETRI-ELECTRA, ETRI-</a:t>
+            </a:r>
+            <a:r>
+              <a:rPr lang="en-US" altLang="ko-KR" sz="1200" dirty="0" err="1">
+                <a:latin typeface="NanumBarunGothic" panose="020B0603020101020101" pitchFamily="34" charset="-127"/>
+                <a:ea typeface="NanumBarunGothic" panose="020B0603020101020101" pitchFamily="34" charset="-127"/>
+              </a:rPr>
+              <a:t>RoBERTa</a:t>
+            </a:r>
+            <a:r>
+              <a:rPr lang="en-US" altLang="ko-KR" sz="1200" dirty="0">
+                <a:latin typeface="NanumBarunGothic" panose="020B0603020101020101" pitchFamily="34" charset="-127"/>
+                <a:ea typeface="NanumBarunGothic" panose="020B0603020101020101" pitchFamily="34" charset="-127"/>
+              </a:rPr>
+              <a:t>)</a:t>
+            </a:r>
+            <a:r>
+              <a:rPr lang="ko-KR" altLang="en-US" sz="1200" dirty="0">
                 <a:latin typeface="NanumBarunGothic" panose="020B0603020101020101" pitchFamily="34" charset="-127"/>
                 <a:ea typeface="NanumBarunGothic" panose="020B0603020101020101" pitchFamily="34" charset="-127"/>
               </a:rPr>
               <a:t>에 대한 추가 정보를 제공해야 합니다</a:t>
             </a:r>
             <a:r>
-              <a:rPr lang="en-US" altLang="ko-KR" sz="1200">
+              <a:rPr lang="en-US" altLang="ko-KR" sz="1200" dirty="0">
                 <a:latin typeface="NanumBarunGothic" panose="020B0603020101020101" pitchFamily="34" charset="-127"/>
                 <a:ea typeface="NanumBarunGothic" panose="020B0603020101020101" pitchFamily="34" charset="-127"/>
               </a:rPr>
@@ -5161,77 +5276,77 @@
               <a:buNone/>
             </a:pPr>
             <a:r>
-              <a:rPr lang="en-US" altLang="ko-KR" sz="1200">
+              <a:rPr lang="en-US" altLang="ko-KR" sz="1200" dirty="0">
                 <a:latin typeface="NanumBarunGothic" panose="020B0603020101020101" pitchFamily="34" charset="-127"/>
                 <a:ea typeface="NanumBarunGothic" panose="020B0603020101020101" pitchFamily="34" charset="-127"/>
               </a:rPr>
               <a:t>6. </a:t>
             </a:r>
             <a:r>
-              <a:rPr lang="ko-KR" altLang="en-US" sz="1200">
+              <a:rPr lang="ko-KR" altLang="en-US" sz="1200" dirty="0">
                 <a:latin typeface="NanumBarunGothic" panose="020B0603020101020101" pitchFamily="34" charset="-127"/>
                 <a:ea typeface="NanumBarunGothic" panose="020B0603020101020101" pitchFamily="34" charset="-127"/>
               </a:rPr>
               <a:t>저자는 평가 파라미터인 </a:t>
             </a:r>
             <a:r>
-              <a:rPr lang="en-US" altLang="ko-KR" sz="1200">
+              <a:rPr lang="en-US" altLang="ko-KR" sz="1200" dirty="0">
                 <a:latin typeface="NanumBarunGothic" panose="020B0603020101020101" pitchFamily="34" charset="-127"/>
                 <a:ea typeface="NanumBarunGothic" panose="020B0603020101020101" pitchFamily="34" charset="-127"/>
               </a:rPr>
               <a:t>'</a:t>
             </a:r>
             <a:r>
-              <a:rPr lang="ko-KR" altLang="en-US" sz="1200">
+              <a:rPr lang="ko-KR" altLang="en-US" sz="1200" dirty="0">
                 <a:latin typeface="NanumBarunGothic" panose="020B0603020101020101" pitchFamily="34" charset="-127"/>
                 <a:ea typeface="NanumBarunGothic" panose="020B0603020101020101" pitchFamily="34" charset="-127"/>
               </a:rPr>
               <a:t>어절</a:t>
             </a:r>
             <a:r>
-              <a:rPr lang="en-US" altLang="ko-KR" sz="1200">
+              <a:rPr lang="en-US" altLang="ko-KR" sz="1200" dirty="0">
                 <a:latin typeface="NanumBarunGothic" panose="020B0603020101020101" pitchFamily="34" charset="-127"/>
                 <a:ea typeface="NanumBarunGothic" panose="020B0603020101020101" pitchFamily="34" charset="-127"/>
               </a:rPr>
               <a:t>' </a:t>
             </a:r>
             <a:r>
-              <a:rPr lang="ko-KR" altLang="en-US" sz="1200">
+              <a:rPr lang="ko-KR" altLang="en-US" sz="1200" dirty="0">
                 <a:latin typeface="NanumBarunGothic" panose="020B0603020101020101" pitchFamily="34" charset="-127"/>
                 <a:ea typeface="NanumBarunGothic" panose="020B0603020101020101" pitchFamily="34" charset="-127"/>
               </a:rPr>
               <a:t>정확도와 </a:t>
             </a:r>
             <a:r>
-              <a:rPr lang="en-US" altLang="ko-KR" sz="1200">
+              <a:rPr lang="en-US" altLang="ko-KR" sz="1200" dirty="0">
                 <a:latin typeface="NanumBarunGothic" panose="020B0603020101020101" pitchFamily="34" charset="-127"/>
                 <a:ea typeface="NanumBarunGothic" panose="020B0603020101020101" pitchFamily="34" charset="-127"/>
               </a:rPr>
               <a:t>'</a:t>
             </a:r>
             <a:r>
-              <a:rPr lang="ko-KR" altLang="en-US" sz="1200">
+              <a:rPr lang="ko-KR" altLang="en-US" sz="1200" dirty="0">
                 <a:latin typeface="NanumBarunGothic" panose="020B0603020101020101" pitchFamily="34" charset="-127"/>
                 <a:ea typeface="NanumBarunGothic" panose="020B0603020101020101" pitchFamily="34" charset="-127"/>
               </a:rPr>
               <a:t>형태소 </a:t>
             </a:r>
             <a:r>
-              <a:rPr lang="en-US" altLang="ko-KR" sz="1200">
+              <a:rPr lang="en-US" altLang="ko-KR" sz="1200" dirty="0">
                 <a:latin typeface="NanumBarunGothic" panose="020B0603020101020101" pitchFamily="34" charset="-127"/>
                 <a:ea typeface="NanumBarunGothic" panose="020B0603020101020101" pitchFamily="34" charset="-127"/>
               </a:rPr>
               <a:t>F1' </a:t>
             </a:r>
             <a:r>
-              <a:rPr lang="ko-KR" altLang="en-US" sz="1200">
+              <a:rPr lang="ko-KR" altLang="en-US" sz="1200" dirty="0">
                 <a:latin typeface="NanumBarunGothic" panose="020B0603020101020101" pitchFamily="34" charset="-127"/>
                 <a:ea typeface="NanumBarunGothic" panose="020B0603020101020101" pitchFamily="34" charset="-127"/>
               </a:rPr>
               <a:t>점수를 정의해야 합니다</a:t>
             </a:r>
             <a:r>
-              <a:rPr lang="en-US" altLang="ko-KR" sz="1200">
+              <a:rPr lang="en-US" altLang="ko-KR" sz="1200" dirty="0">
                 <a:latin typeface="NanumBarunGothic" panose="020B0603020101020101" pitchFamily="34" charset="-127"/>
                 <a:ea typeface="NanumBarunGothic" panose="020B0603020101020101" pitchFamily="34" charset="-127"/>
               </a:rPr>
@@ -5246,7 +5361,7 @@
               <a:buNone/>
             </a:pPr>
             <a:r>
-              <a:rPr lang="en-US" altLang="ko-KR" sz="1200">
+              <a:rPr lang="en-US" altLang="ko-KR" sz="1200" dirty="0">
                 <a:solidFill>
                   <a:schemeClr val="accent6"/>
                 </a:solidFill>
@@ -5256,7 +5371,7 @@
               <a:t>7. </a:t>
             </a:r>
             <a:r>
-              <a:rPr lang="ko-KR" altLang="en-US" sz="1200">
+              <a:rPr lang="ko-KR" altLang="en-US" sz="1200" dirty="0">
                 <a:solidFill>
                   <a:schemeClr val="accent6"/>
                 </a:solidFill>
@@ -5266,7 +5381,7 @@
               <a:t>저자는 도구</a:t>
             </a:r>
             <a:r>
-              <a:rPr lang="en-US" altLang="ko-KR" sz="1200">
+              <a:rPr lang="en-US" altLang="ko-KR" sz="1200" dirty="0">
                 <a:solidFill>
                   <a:schemeClr val="accent6"/>
                 </a:solidFill>
@@ -5276,7 +5391,7 @@
               <a:t>/</a:t>
             </a:r>
             <a:r>
-              <a:rPr lang="ko-KR" altLang="en-US" sz="1200">
+              <a:rPr lang="ko-KR" altLang="en-US" sz="1200" dirty="0">
                 <a:solidFill>
                   <a:schemeClr val="accent6"/>
                 </a:solidFill>
@@ -5286,7 +5401,7 @@
               <a:t>소프트웨어 정보와 함께 훈련 파라미터를 표 형식으로 별도로 언급해야 합니다</a:t>
             </a:r>
             <a:r>
-              <a:rPr lang="en-US" altLang="ko-KR" sz="1200">
+              <a:rPr lang="en-US" altLang="ko-KR" sz="1200" dirty="0">
                 <a:solidFill>
                   <a:schemeClr val="accent6"/>
                 </a:solidFill>
@@ -5304,55 +5419,62 @@
               <a:buNone/>
             </a:pPr>
             <a:r>
-              <a:rPr lang="en-US" altLang="ko-KR" sz="1200">
+              <a:rPr lang="en-US" altLang="ko-KR" sz="1200" dirty="0">
                 <a:latin typeface="NanumBarunGothic" panose="020B0603020101020101" pitchFamily="34" charset="-127"/>
                 <a:ea typeface="NanumBarunGothic" panose="020B0603020101020101" pitchFamily="34" charset="-127"/>
               </a:rPr>
               <a:t>8. 5.5</a:t>
             </a:r>
             <a:r>
-              <a:rPr lang="ko-KR" altLang="en-US" sz="1200">
+              <a:rPr lang="ko-KR" altLang="en-US" sz="1200" dirty="0">
                 <a:latin typeface="NanumBarunGothic" panose="020B0603020101020101" pitchFamily="34" charset="-127"/>
                 <a:ea typeface="NanumBarunGothic" panose="020B0603020101020101" pitchFamily="34" charset="-127"/>
               </a:rPr>
               <a:t>항의 </a:t>
             </a:r>
             <a:r>
-              <a:rPr lang="en-US" altLang="ko-KR" sz="1200">
+              <a:rPr lang="en-US" altLang="ko-KR" sz="1200" dirty="0">
                 <a:latin typeface="NanumBarunGothic" panose="020B0603020101020101" pitchFamily="34" charset="-127"/>
                 <a:ea typeface="NanumBarunGothic" panose="020B0603020101020101" pitchFamily="34" charset="-127"/>
               </a:rPr>
               <a:t>"</a:t>
             </a:r>
             <a:r>
-              <a:rPr lang="ko-KR" altLang="en-US" sz="1200">
-                <a:latin typeface="NanumBarunGothic" panose="020B0603020101020101" pitchFamily="34" charset="-127"/>
-                <a:ea typeface="NanumBarunGothic" panose="020B0603020101020101" pitchFamily="34" charset="-127"/>
-              </a:rPr>
-              <a:t>재순위 모델을 포함한 전체 형태소 분석 모델이 실시간 처리에 적합하지 않다</a:t>
-            </a:r>
-            <a:r>
-              <a:rPr lang="en-US" altLang="ko-KR" sz="1200">
+              <a:rPr lang="ko-KR" altLang="en-US" sz="1200" dirty="0" err="1">
+                <a:latin typeface="NanumBarunGothic" panose="020B0603020101020101" pitchFamily="34" charset="-127"/>
+                <a:ea typeface="NanumBarunGothic" panose="020B0603020101020101" pitchFamily="34" charset="-127"/>
+              </a:rPr>
+              <a:t>재순위</a:t>
+            </a:r>
+            <a:r>
+              <a:rPr lang="ko-KR" altLang="en-US" sz="1200" dirty="0">
+                <a:latin typeface="NanumBarunGothic" panose="020B0603020101020101" pitchFamily="34" charset="-127"/>
+                <a:ea typeface="NanumBarunGothic" panose="020B0603020101020101" pitchFamily="34" charset="-127"/>
+              </a:rPr>
+              <a:t> 모델을 포함한 전체 형태소 분석 모델이 실시간 처리에 적합하지 않다</a:t>
+            </a:r>
+            <a:r>
+              <a:rPr lang="en-US" altLang="ko-KR" sz="1200" dirty="0">
                 <a:latin typeface="NanumBarunGothic" panose="020B0603020101020101" pitchFamily="34" charset="-127"/>
                 <a:ea typeface="NanumBarunGothic" panose="020B0603020101020101" pitchFamily="34" charset="-127"/>
               </a:rPr>
               <a:t>"</a:t>
             </a:r>
             <a:r>
-              <a:rPr lang="ko-KR" altLang="en-US" sz="1200">
+              <a:rPr lang="ko-KR" altLang="en-US" sz="1200" dirty="0">
                 <a:latin typeface="NanumBarunGothic" panose="020B0603020101020101" pitchFamily="34" charset="-127"/>
                 <a:ea typeface="NanumBarunGothic" panose="020B0603020101020101" pitchFamily="34" charset="-127"/>
               </a:rPr>
               <a:t>는 항목에 그 이유를 상세히 설명해 주세요</a:t>
             </a:r>
             <a:r>
-              <a:rPr lang="en-US" altLang="ko-KR" sz="1200">
+              <a:rPr lang="en-US" altLang="ko-KR" sz="1200" dirty="0">
                 <a:latin typeface="NanumBarunGothic" panose="020B0603020101020101" pitchFamily="34" charset="-127"/>
                 <a:ea typeface="NanumBarunGothic" panose="020B0603020101020101" pitchFamily="34" charset="-127"/>
               </a:rPr>
               <a:t>.</a:t>
             </a:r>
-            <a:endParaRPr lang="ko-KR" altLang="en-US" sz="1200">
+            <a:endParaRPr lang="ko-KR" altLang="en-US" sz="1200" dirty="0">
               <a:latin typeface="NanumBarunGothic" panose="020B0603020101020101" pitchFamily="34" charset="-127"/>
               <a:ea typeface="NanumBarunGothic" panose="020B0603020101020101" pitchFamily="34" charset="-127"/>
             </a:endParaRPr>
@@ -5418,13 +5540,13 @@
           <a:lstStyle/>
           <a:p>
             <a:r>
-              <a:rPr lang="en-US" altLang="ko-KR" sz="2000">
+              <a:rPr lang="en-US" altLang="ko-KR" sz="2000" dirty="0">
                 <a:latin typeface="NanumBarunGothic" panose="020B0603020101020101" pitchFamily="34" charset="-127"/>
                 <a:ea typeface="NanumBarunGothic" panose="020B0603020101020101" pitchFamily="34" charset="-127"/>
               </a:rPr>
               <a:t>Reviewer 2:</a:t>
             </a:r>
-            <a:endParaRPr lang="ko-KR" altLang="en-US" sz="2000">
+            <a:endParaRPr lang="ko-KR" altLang="en-US" sz="2000" dirty="0">
               <a:latin typeface="NanumBarunGothic" panose="020B0603020101020101" pitchFamily="34" charset="-127"/>
               <a:ea typeface="NanumBarunGothic" panose="020B0603020101020101" pitchFamily="34" charset="-127"/>
             </a:endParaRPr>
@@ -5466,7 +5588,7 @@
               <a:buNone/>
             </a:pPr>
             <a:r>
-              <a:rPr lang="en-US" altLang="ko-KR" sz="1200">
+              <a:rPr lang="en-US" altLang="ko-KR" sz="1200" dirty="0">
                 <a:solidFill>
                   <a:schemeClr val="bg1">
                     <a:lumMod val="75000"/>
@@ -5486,7 +5608,7 @@
               <a:buNone/>
             </a:pPr>
             <a:r>
-              <a:rPr lang="en-US" altLang="ko-KR" sz="1200">
+              <a:rPr lang="en-US" altLang="ko-KR" sz="1200" dirty="0">
                 <a:solidFill>
                   <a:schemeClr val="accent6"/>
                 </a:solidFill>
@@ -5504,7 +5626,7 @@
               <a:buNone/>
             </a:pPr>
             <a:r>
-              <a:rPr lang="en-US" altLang="ko-KR" sz="1200">
+              <a:rPr lang="en-US" altLang="ko-KR" sz="1200" dirty="0">
                 <a:latin typeface="NanumBarunGothic" panose="020B0603020101020101" pitchFamily="34" charset="-127"/>
                 <a:ea typeface="NanumBarunGothic" panose="020B0603020101020101" pitchFamily="34" charset="-127"/>
               </a:rPr>
@@ -5519,7 +5641,10 @@
               <a:buNone/>
             </a:pPr>
             <a:r>
-              <a:rPr lang="en-US" altLang="ko-KR" sz="1200">
+              <a:rPr lang="en-US" altLang="ko-KR" sz="1200" dirty="0">
+                <a:solidFill>
+                  <a:schemeClr val="accent6"/>
+                </a:solidFill>
                 <a:latin typeface="NanumBarunGothic" panose="020B0603020101020101" pitchFamily="34" charset="-127"/>
                 <a:ea typeface="NanumBarunGothic" panose="020B0603020101020101" pitchFamily="34" charset="-127"/>
               </a:rPr>
@@ -5534,7 +5659,7 @@
               <a:buNone/>
             </a:pPr>
             <a:r>
-              <a:rPr lang="en-US" altLang="ko-KR" sz="1200">
+              <a:rPr lang="en-US" altLang="ko-KR" sz="1200" dirty="0">
                 <a:latin typeface="NanumBarunGothic" panose="020B0603020101020101" pitchFamily="34" charset="-127"/>
                 <a:ea typeface="NanumBarunGothic" panose="020B0603020101020101" pitchFamily="34" charset="-127"/>
               </a:rPr>
@@ -5549,7 +5674,7 @@
               <a:buNone/>
             </a:pPr>
             <a:r>
-              <a:rPr lang="en-US" altLang="ko-KR" sz="1200">
+              <a:rPr lang="en-US" altLang="ko-KR" sz="1200" dirty="0">
                 <a:solidFill>
                   <a:schemeClr val="accent6"/>
                 </a:solidFill>
@@ -5567,7 +5692,7 @@
               <a:buNone/>
             </a:pPr>
             <a:r>
-              <a:rPr lang="en-US" altLang="ko-KR" sz="1200">
+              <a:rPr lang="en-US" altLang="ko-KR" sz="1200" dirty="0">
                 <a:latin typeface="NanumBarunGothic" panose="020B0603020101020101" pitchFamily="34" charset="-127"/>
                 <a:ea typeface="NanumBarunGothic" panose="020B0603020101020101" pitchFamily="34" charset="-127"/>
               </a:rPr>
@@ -5582,7 +5707,7 @@
               <a:buNone/>
             </a:pPr>
             <a:r>
-              <a:rPr lang="en-US" altLang="ko-KR" sz="1200">
+              <a:rPr lang="en-US" altLang="ko-KR" sz="1200" dirty="0">
                 <a:latin typeface="NanumBarunGothic" panose="020B0603020101020101" pitchFamily="34" charset="-127"/>
                 <a:ea typeface="NanumBarunGothic" panose="020B0603020101020101" pitchFamily="34" charset="-127"/>
               </a:rPr>
@@ -5626,7 +5751,7 @@
               <a:buNone/>
             </a:pPr>
             <a:r>
-              <a:rPr lang="en-US" altLang="ko-KR" sz="1200">
+              <a:rPr lang="en-US" altLang="ko-KR" sz="1200" dirty="0">
                 <a:solidFill>
                   <a:schemeClr val="bg1">
                     <a:lumMod val="75000"/>
@@ -5638,7 +5763,7 @@
               <a:t>"</a:t>
             </a:r>
             <a:r>
-              <a:rPr lang="ko-KR" altLang="en-US" sz="1200">
+              <a:rPr lang="ko-KR" altLang="en-US" sz="1200" dirty="0">
                 <a:solidFill>
                   <a:schemeClr val="bg1">
                     <a:lumMod val="75000"/>
@@ -5650,7 +5775,7 @@
               <a:t>트랜스포머 기반 재순위화를 통한 한국어 형태소 분석 시스템 개선</a:t>
             </a:r>
             <a:r>
-              <a:rPr lang="en-US" altLang="ko-KR" sz="1200">
+              <a:rPr lang="en-US" altLang="ko-KR" sz="1200" dirty="0">
                 <a:solidFill>
                   <a:schemeClr val="bg1">
                     <a:lumMod val="75000"/>
@@ -5662,7 +5787,7 @@
               <a:t>"</a:t>
             </a:r>
             <a:r>
-              <a:rPr lang="ko-KR" altLang="en-US" sz="1200">
+              <a:rPr lang="ko-KR" altLang="en-US" sz="1200" dirty="0">
                 <a:solidFill>
                   <a:schemeClr val="bg1">
                     <a:lumMod val="75000"/>
@@ -5674,7 +5799,7 @@
               <a:t>이라는 연구는 흥미롭지만 몇 가지 주요한 문제점을 해결해야 합니다</a:t>
             </a:r>
             <a:r>
-              <a:rPr lang="en-US" altLang="ko-KR" sz="1200">
+              <a:rPr lang="en-US" altLang="ko-KR" sz="1200" dirty="0">
                 <a:solidFill>
                   <a:schemeClr val="bg1">
                     <a:lumMod val="75000"/>
@@ -5694,7 +5819,7 @@
               <a:buNone/>
             </a:pPr>
             <a:r>
-              <a:rPr lang="en-US" altLang="ko-KR" sz="1200">
+              <a:rPr lang="en-US" altLang="ko-KR" sz="1200" dirty="0">
                 <a:solidFill>
                   <a:schemeClr val="accent6"/>
                 </a:solidFill>
@@ -5704,7 +5829,7 @@
               <a:t>1. </a:t>
             </a:r>
             <a:r>
-              <a:rPr lang="ko-KR" altLang="en-US" sz="1200">
+              <a:rPr lang="ko-KR" altLang="en-US" sz="1200" dirty="0">
                 <a:solidFill>
                   <a:schemeClr val="accent6"/>
                 </a:solidFill>
@@ -5714,7 +5839,7 @@
               <a:t>초록이 적절하지 않습니다</a:t>
             </a:r>
             <a:r>
-              <a:rPr lang="en-US" altLang="ko-KR" sz="1200">
+              <a:rPr lang="en-US" altLang="ko-KR" sz="1200" dirty="0">
                 <a:solidFill>
                   <a:schemeClr val="accent6"/>
                 </a:solidFill>
@@ -5724,7 +5849,7 @@
               <a:t>. </a:t>
             </a:r>
             <a:r>
-              <a:rPr lang="ko-KR" altLang="en-US" sz="1200">
+              <a:rPr lang="ko-KR" altLang="en-US" sz="1200" dirty="0">
                 <a:solidFill>
                   <a:schemeClr val="accent6"/>
                 </a:solidFill>
@@ -5734,7 +5859,7 @@
               <a:t>트랜스포머 기반 재순위화를 통한 정량화된 값</a:t>
             </a:r>
             <a:r>
-              <a:rPr lang="en-US" altLang="ko-KR" sz="1200">
+              <a:rPr lang="en-US" altLang="ko-KR" sz="1200" dirty="0">
                 <a:solidFill>
                   <a:schemeClr val="accent6"/>
                 </a:solidFill>
@@ -5744,7 +5869,7 @@
               <a:t>(</a:t>
             </a:r>
             <a:r>
-              <a:rPr lang="ko-KR" altLang="en-US" sz="1200">
+              <a:rPr lang="ko-KR" altLang="en-US" sz="1200" dirty="0">
                 <a:solidFill>
                   <a:schemeClr val="accent6"/>
                 </a:solidFill>
@@ -5754,7 +5879,7 @@
               <a:t>결과</a:t>
             </a:r>
             <a:r>
-              <a:rPr lang="en-US" altLang="ko-KR" sz="1200">
+              <a:rPr lang="en-US" altLang="ko-KR" sz="1200" dirty="0">
                 <a:solidFill>
                   <a:schemeClr val="accent6"/>
                 </a:solidFill>
@@ -5764,7 +5889,7 @@
               <a:t>) </a:t>
             </a:r>
             <a:r>
-              <a:rPr lang="ko-KR" altLang="en-US" sz="1200">
+              <a:rPr lang="ko-KR" altLang="en-US" sz="1200" dirty="0">
                 <a:solidFill>
                   <a:schemeClr val="accent6"/>
                 </a:solidFill>
@@ -5774,7 +5899,7 @@
               <a:t>성능 향상과 그 방법에 대한 언급 없이 이론적인 내용만 제시하고 있습니다</a:t>
             </a:r>
             <a:r>
-              <a:rPr lang="en-US" altLang="ko-KR" sz="1200">
+              <a:rPr lang="en-US" altLang="ko-KR" sz="1200" dirty="0">
                 <a:solidFill>
                   <a:schemeClr val="accent6"/>
                 </a:solidFill>
@@ -5784,7 +5909,7 @@
               <a:t>. </a:t>
             </a:r>
             <a:r>
-              <a:rPr lang="ko-KR" altLang="en-US" sz="1200">
+              <a:rPr lang="ko-KR" altLang="en-US" sz="1200" dirty="0">
                 <a:solidFill>
                   <a:schemeClr val="accent6"/>
                 </a:solidFill>
@@ -5794,7 +5919,7 @@
               <a:t>또한 초록에서 결론적으로 높은 성능 달성의 이점이 누락되어 있습니다</a:t>
             </a:r>
             <a:r>
-              <a:rPr lang="en-US" altLang="ko-KR" sz="1200">
+              <a:rPr lang="en-US" altLang="ko-KR" sz="1200" dirty="0">
                 <a:solidFill>
                   <a:schemeClr val="accent6"/>
                 </a:solidFill>
@@ -5804,7 +5929,7 @@
               <a:t>. </a:t>
             </a:r>
             <a:r>
-              <a:rPr lang="ko-KR" altLang="en-US" sz="1200">
+              <a:rPr lang="ko-KR" altLang="en-US" sz="1200" dirty="0">
                 <a:solidFill>
                   <a:schemeClr val="accent6"/>
                 </a:solidFill>
@@ -5814,7 +5939,7 @@
               <a:t>초록에서 불필요한 내용을 삭제해 주세요</a:t>
             </a:r>
             <a:r>
-              <a:rPr lang="en-US" altLang="ko-KR" sz="1200">
+              <a:rPr lang="en-US" altLang="ko-KR" sz="1200" dirty="0">
                 <a:solidFill>
                   <a:schemeClr val="accent6"/>
                 </a:solidFill>
@@ -5832,35 +5957,35 @@
               <a:buNone/>
             </a:pPr>
             <a:r>
-              <a:rPr lang="en-US" altLang="ko-KR" sz="1200">
+              <a:rPr lang="en-US" altLang="ko-KR" sz="1200" dirty="0">
                 <a:latin typeface="NanumBarunGothic" panose="020B0603020101020101" pitchFamily="34" charset="-127"/>
                 <a:ea typeface="NanumBarunGothic" panose="020B0603020101020101" pitchFamily="34" charset="-127"/>
               </a:rPr>
               <a:t>2. </a:t>
             </a:r>
             <a:r>
-              <a:rPr lang="ko-KR" altLang="en-US" sz="1200">
+              <a:rPr lang="ko-KR" altLang="en-US" sz="1200" dirty="0">
                 <a:latin typeface="NanumBarunGothic" panose="020B0603020101020101" pitchFamily="34" charset="-127"/>
                 <a:ea typeface="NanumBarunGothic" panose="020B0603020101020101" pitchFamily="34" charset="-127"/>
               </a:rPr>
               <a:t>그림이 적절하지 않습니다</a:t>
             </a:r>
             <a:r>
-              <a:rPr lang="en-US" altLang="ko-KR" sz="1200">
+              <a:rPr lang="en-US" altLang="ko-KR" sz="1200" dirty="0">
                 <a:latin typeface="NanumBarunGothic" panose="020B0603020101020101" pitchFamily="34" charset="-127"/>
                 <a:ea typeface="NanumBarunGothic" panose="020B0603020101020101" pitchFamily="34" charset="-127"/>
               </a:rPr>
               <a:t>. </a:t>
             </a:r>
             <a:r>
-              <a:rPr lang="ko-KR" altLang="en-US" sz="1200">
+              <a:rPr lang="ko-KR" altLang="en-US" sz="1200" dirty="0">
                 <a:latin typeface="NanumBarunGothic" panose="020B0603020101020101" pitchFamily="34" charset="-127"/>
                 <a:ea typeface="NanumBarunGothic" panose="020B0603020101020101" pitchFamily="34" charset="-127"/>
               </a:rPr>
               <a:t>글꼴이 너무 작거나 구분이 되지 않는 경우가 있습니다</a:t>
             </a:r>
             <a:r>
-              <a:rPr lang="en-US" altLang="ko-KR" sz="1200">
+              <a:rPr lang="en-US" altLang="ko-KR" sz="1200" dirty="0">
                 <a:latin typeface="NanumBarunGothic" panose="020B0603020101020101" pitchFamily="34" charset="-127"/>
                 <a:ea typeface="NanumBarunGothic" panose="020B0603020101020101" pitchFamily="34" charset="-127"/>
               </a:rPr>
@@ -5875,49 +6000,70 @@
               <a:buNone/>
             </a:pPr>
             <a:r>
-              <a:rPr lang="en-US" altLang="ko-KR" sz="1200">
+              <a:rPr lang="en-US" altLang="ko-KR" sz="1200" dirty="0">
+                <a:solidFill>
+                  <a:schemeClr val="accent6"/>
+                </a:solidFill>
                 <a:latin typeface="NanumBarunGothic" panose="020B0603020101020101" pitchFamily="34" charset="-127"/>
                 <a:ea typeface="NanumBarunGothic" panose="020B0603020101020101" pitchFamily="34" charset="-127"/>
               </a:rPr>
               <a:t>3. </a:t>
             </a:r>
             <a:r>
-              <a:rPr lang="ko-KR" altLang="en-US" sz="1200">
+              <a:rPr lang="ko-KR" altLang="en-US" sz="1200" dirty="0">
+                <a:solidFill>
+                  <a:schemeClr val="accent6"/>
+                </a:solidFill>
                 <a:latin typeface="NanumBarunGothic" panose="020B0603020101020101" pitchFamily="34" charset="-127"/>
                 <a:ea typeface="NanumBarunGothic" panose="020B0603020101020101" pitchFamily="34" charset="-127"/>
               </a:rPr>
               <a:t>영어와 문법이 좋지 않습니다</a:t>
             </a:r>
             <a:r>
-              <a:rPr lang="en-US" altLang="ko-KR" sz="1200">
+              <a:rPr lang="en-US" altLang="ko-KR" sz="1200" dirty="0">
+                <a:solidFill>
+                  <a:schemeClr val="accent6"/>
+                </a:solidFill>
                 <a:latin typeface="NanumBarunGothic" panose="020B0603020101020101" pitchFamily="34" charset="-127"/>
                 <a:ea typeface="NanumBarunGothic" panose="020B0603020101020101" pitchFamily="34" charset="-127"/>
               </a:rPr>
               <a:t>. </a:t>
             </a:r>
             <a:r>
-              <a:rPr lang="ko-KR" altLang="en-US" sz="1200">
+              <a:rPr lang="ko-KR" altLang="en-US" sz="1200" dirty="0">
+                <a:solidFill>
+                  <a:schemeClr val="accent6"/>
+                </a:solidFill>
                 <a:latin typeface="NanumBarunGothic" panose="020B0603020101020101" pitchFamily="34" charset="-127"/>
                 <a:ea typeface="NanumBarunGothic" panose="020B0603020101020101" pitchFamily="34" charset="-127"/>
               </a:rPr>
               <a:t>작은 문장을 사용하고 영어 원어민</a:t>
             </a:r>
             <a:r>
-              <a:rPr lang="en-US" altLang="ko-KR" sz="1200">
+              <a:rPr lang="en-US" altLang="ko-KR" sz="1200" dirty="0">
+                <a:solidFill>
+                  <a:schemeClr val="accent6"/>
+                </a:solidFill>
                 <a:latin typeface="NanumBarunGothic" panose="020B0603020101020101" pitchFamily="34" charset="-127"/>
                 <a:ea typeface="NanumBarunGothic" panose="020B0603020101020101" pitchFamily="34" charset="-127"/>
               </a:rPr>
               <a:t>/</a:t>
             </a:r>
             <a:r>
-              <a:rPr lang="ko-KR" altLang="en-US" sz="1200">
+              <a:rPr lang="ko-KR" altLang="en-US" sz="1200" dirty="0">
+                <a:solidFill>
+                  <a:schemeClr val="accent6"/>
+                </a:solidFill>
                 <a:latin typeface="NanumBarunGothic" panose="020B0603020101020101" pitchFamily="34" charset="-127"/>
                 <a:ea typeface="NanumBarunGothic" panose="020B0603020101020101" pitchFamily="34" charset="-127"/>
               </a:rPr>
               <a:t>작가의 교정을 받는 것이 좋습니다</a:t>
             </a:r>
             <a:r>
-              <a:rPr lang="en-US" altLang="ko-KR" sz="1200">
+              <a:rPr lang="en-US" altLang="ko-KR" sz="1200" dirty="0">
+                <a:solidFill>
+                  <a:schemeClr val="accent6"/>
+                </a:solidFill>
                 <a:latin typeface="NanumBarunGothic" panose="020B0603020101020101" pitchFamily="34" charset="-127"/>
                 <a:ea typeface="NanumBarunGothic" panose="020B0603020101020101" pitchFamily="34" charset="-127"/>
               </a:rPr>
@@ -5932,21 +6078,28 @@
               <a:buNone/>
             </a:pPr>
             <a:r>
-              <a:rPr lang="en-US" altLang="ko-KR" sz="1200">
+              <a:rPr lang="en-US" altLang="ko-KR" sz="1200" dirty="0">
                 <a:latin typeface="NanumBarunGothic" panose="020B0603020101020101" pitchFamily="34" charset="-127"/>
                 <a:ea typeface="NanumBarunGothic" panose="020B0603020101020101" pitchFamily="34" charset="-127"/>
               </a:rPr>
               <a:t>4. </a:t>
             </a:r>
             <a:r>
-              <a:rPr lang="ko-KR" altLang="en-US" sz="1200">
-                <a:latin typeface="NanumBarunGothic" panose="020B0603020101020101" pitchFamily="34" charset="-127"/>
-                <a:ea typeface="NanumBarunGothic" panose="020B0603020101020101" pitchFamily="34" charset="-127"/>
-              </a:rPr>
-              <a:t>딥러닝이 사용되었지만 모델에 대한 설명이 도표로 제대로 되어 있지 않습니다</a:t>
-            </a:r>
-            <a:r>
-              <a:rPr lang="en-US" altLang="ko-KR" sz="1200">
+              <a:rPr lang="ko-KR" altLang="en-US" sz="1200" dirty="0" err="1">
+                <a:latin typeface="NanumBarunGothic" panose="020B0603020101020101" pitchFamily="34" charset="-127"/>
+                <a:ea typeface="NanumBarunGothic" panose="020B0603020101020101" pitchFamily="34" charset="-127"/>
+              </a:rPr>
+              <a:t>딥러닝이</a:t>
+            </a:r>
+            <a:r>
+              <a:rPr lang="ko-KR" altLang="en-US" sz="1200" dirty="0">
+                <a:latin typeface="NanumBarunGothic" panose="020B0603020101020101" pitchFamily="34" charset="-127"/>
+                <a:ea typeface="NanumBarunGothic" panose="020B0603020101020101" pitchFamily="34" charset="-127"/>
+              </a:rPr>
+              <a:t> 사용되었지만 모델에 대한 설명이 도표로 제대로 되어 있지 않습니다</a:t>
+            </a:r>
+            <a:r>
+              <a:rPr lang="en-US" altLang="ko-KR" sz="1200" dirty="0">
                 <a:latin typeface="NanumBarunGothic" panose="020B0603020101020101" pitchFamily="34" charset="-127"/>
                 <a:ea typeface="NanumBarunGothic" panose="020B0603020101020101" pitchFamily="34" charset="-127"/>
               </a:rPr>
@@ -5961,7 +6114,7 @@
               <a:buNone/>
             </a:pPr>
             <a:r>
-              <a:rPr lang="en-US" altLang="ko-KR" sz="1200">
+              <a:rPr lang="en-US" altLang="ko-KR" sz="1200" dirty="0">
                 <a:solidFill>
                   <a:schemeClr val="accent6"/>
                 </a:solidFill>
@@ -5971,7 +6124,7 @@
               <a:t>5. </a:t>
             </a:r>
             <a:r>
-              <a:rPr lang="ko-KR" altLang="en-US" sz="1200">
+              <a:rPr lang="ko-KR" altLang="en-US" sz="1200" dirty="0">
                 <a:solidFill>
                   <a:schemeClr val="accent6"/>
                 </a:solidFill>
@@ -5981,7 +6134,7 @@
               <a:t>논문의 흐름이 적절하지 않습니다</a:t>
             </a:r>
             <a:r>
-              <a:rPr lang="en-US" altLang="ko-KR" sz="1200">
+              <a:rPr lang="en-US" altLang="ko-KR" sz="1200" dirty="0">
                 <a:solidFill>
                   <a:schemeClr val="accent6"/>
                 </a:solidFill>
@@ -5991,17 +6144,27 @@
               <a:t>. </a:t>
             </a:r>
             <a:r>
-              <a:rPr lang="ko-KR" altLang="en-US" sz="1200">
-                <a:solidFill>
-                  <a:schemeClr val="accent6"/>
-                </a:solidFill>
-                <a:latin typeface="NanumBarunGothic" panose="020B0603020101020101" pitchFamily="34" charset="-127"/>
-                <a:ea typeface="NanumBarunGothic" panose="020B0603020101020101" pitchFamily="34" charset="-127"/>
-              </a:rPr>
-              <a:t>재순위 모델에서 실험 결과로의 전환이 적절하지 않습니다</a:t>
-            </a:r>
-            <a:r>
-              <a:rPr lang="en-US" altLang="ko-KR" sz="1200">
+              <a:rPr lang="ko-KR" altLang="en-US" sz="1200" dirty="0" err="1">
+                <a:solidFill>
+                  <a:schemeClr val="accent6"/>
+                </a:solidFill>
+                <a:latin typeface="NanumBarunGothic" panose="020B0603020101020101" pitchFamily="34" charset="-127"/>
+                <a:ea typeface="NanumBarunGothic" panose="020B0603020101020101" pitchFamily="34" charset="-127"/>
+              </a:rPr>
+              <a:t>재순위</a:t>
+            </a:r>
+            <a:r>
+              <a:rPr lang="ko-KR" altLang="en-US" sz="1200" dirty="0">
+                <a:solidFill>
+                  <a:schemeClr val="accent6"/>
+                </a:solidFill>
+                <a:latin typeface="NanumBarunGothic" panose="020B0603020101020101" pitchFamily="34" charset="-127"/>
+                <a:ea typeface="NanumBarunGothic" panose="020B0603020101020101" pitchFamily="34" charset="-127"/>
+              </a:rPr>
+              <a:t> 모델에서 실험 결과로의 전환이 적절하지 않습니다</a:t>
+            </a:r>
+            <a:r>
+              <a:rPr lang="en-US" altLang="ko-KR" sz="1200" dirty="0">
                 <a:solidFill>
                   <a:schemeClr val="accent6"/>
                 </a:solidFill>
@@ -6011,7 +6174,7 @@
               <a:t>. </a:t>
             </a:r>
             <a:r>
-              <a:rPr lang="ko-KR" altLang="en-US" sz="1200">
+              <a:rPr lang="ko-KR" altLang="en-US" sz="1200" dirty="0">
                 <a:solidFill>
                   <a:schemeClr val="accent6"/>
                 </a:solidFill>
@@ -6021,7 +6184,7 @@
               <a:t>서로 다른 섹션 사이에 흐름이 있어야 합니다</a:t>
             </a:r>
             <a:r>
-              <a:rPr lang="en-US" altLang="ko-KR" sz="1200">
+              <a:rPr lang="en-US" altLang="ko-KR" sz="1200" dirty="0">
                 <a:solidFill>
                   <a:schemeClr val="accent6"/>
                 </a:solidFill>
@@ -6039,147 +6202,154 @@
               <a:buNone/>
             </a:pPr>
             <a:r>
-              <a:rPr lang="en-US" altLang="ko-KR" sz="1200">
+              <a:rPr lang="en-US" altLang="ko-KR" sz="1200" dirty="0">
                 <a:latin typeface="NanumBarunGothic" panose="020B0603020101020101" pitchFamily="34" charset="-127"/>
                 <a:ea typeface="NanumBarunGothic" panose="020B0603020101020101" pitchFamily="34" charset="-127"/>
               </a:rPr>
               <a:t>6. </a:t>
             </a:r>
             <a:r>
-              <a:rPr lang="ko-KR" altLang="en-US" sz="1200">
-                <a:latin typeface="NanumBarunGothic" panose="020B0603020101020101" pitchFamily="34" charset="-127"/>
-                <a:ea typeface="NanumBarunGothic" panose="020B0603020101020101" pitchFamily="34" charset="-127"/>
-              </a:rPr>
-              <a:t>재순위 성능은 격자 </a:t>
-            </a:r>
-            <a:r>
-              <a:rPr lang="en-US" altLang="ko-KR" sz="1200">
+              <a:rPr lang="ko-KR" altLang="en-US" sz="1200" dirty="0" err="1">
+                <a:latin typeface="NanumBarunGothic" panose="020B0603020101020101" pitchFamily="34" charset="-127"/>
+                <a:ea typeface="NanumBarunGothic" panose="020B0603020101020101" pitchFamily="34" charset="-127"/>
+              </a:rPr>
+              <a:t>재순위</a:t>
+            </a:r>
+            <a:r>
+              <a:rPr lang="ko-KR" altLang="en-US" sz="1200" dirty="0">
+                <a:latin typeface="NanumBarunGothic" panose="020B0603020101020101" pitchFamily="34" charset="-127"/>
+                <a:ea typeface="NanumBarunGothic" panose="020B0603020101020101" pitchFamily="34" charset="-127"/>
+              </a:rPr>
+              <a:t> 성능은 격자 </a:t>
+            </a:r>
+            <a:r>
+              <a:rPr lang="en-US" altLang="ko-KR" sz="1200" dirty="0">
                 <a:latin typeface="NanumBarunGothic" panose="020B0603020101020101" pitchFamily="34" charset="-127"/>
                 <a:ea typeface="NanumBarunGothic" panose="020B0603020101020101" pitchFamily="34" charset="-127"/>
               </a:rPr>
               <a:t>+ </a:t>
             </a:r>
             <a:r>
-              <a:rPr lang="ko-KR" altLang="en-US" sz="1200">
+              <a:rPr lang="ko-KR" altLang="en-US" sz="1200" dirty="0">
                 <a:latin typeface="NanumBarunGothic" panose="020B0603020101020101" pitchFamily="34" charset="-127"/>
                 <a:ea typeface="NanumBarunGothic" panose="020B0603020101020101" pitchFamily="34" charset="-127"/>
               </a:rPr>
               <a:t>트랜스포머</a:t>
             </a:r>
             <a:r>
-              <a:rPr lang="en-US" altLang="ko-KR" sz="1200">
+              <a:rPr lang="en-US" altLang="ko-KR" sz="1200" dirty="0">
                 <a:latin typeface="NanumBarunGothic" panose="020B0603020101020101" pitchFamily="34" charset="-127"/>
                 <a:ea typeface="NanumBarunGothic" panose="020B0603020101020101" pitchFamily="34" charset="-127"/>
               </a:rPr>
               <a:t>((En)</a:t>
             </a:r>
             <a:r>
-              <a:rPr lang="ko-KR" altLang="en-US" sz="1200">
+              <a:rPr lang="ko-KR" altLang="en-US" sz="1200" dirty="0">
                 <a:latin typeface="NanumBarunGothic" panose="020B0603020101020101" pitchFamily="34" charset="-127"/>
                 <a:ea typeface="NanumBarunGothic" panose="020B0603020101020101" pitchFamily="34" charset="-127"/>
               </a:rPr>
               <a:t>의 필요성과 트랜스포머를 사용하는 이유를 설명해야 합니다</a:t>
             </a:r>
             <a:r>
-              <a:rPr lang="en-US" altLang="ko-KR" sz="1200">
+              <a:rPr lang="en-US" altLang="ko-KR" sz="1200" dirty="0">
                 <a:latin typeface="NanumBarunGothic" panose="020B0603020101020101" pitchFamily="34" charset="-127"/>
                 <a:ea typeface="NanumBarunGothic" panose="020B0603020101020101" pitchFamily="34" charset="-127"/>
               </a:rPr>
               <a:t>. </a:t>
             </a:r>
             <a:r>
-              <a:rPr lang="ko-KR" altLang="en-US" sz="1200">
+              <a:rPr lang="ko-KR" altLang="en-US" sz="1200" dirty="0">
                 <a:latin typeface="NanumBarunGothic" panose="020B0603020101020101" pitchFamily="34" charset="-127"/>
                 <a:ea typeface="NanumBarunGothic" panose="020B0603020101020101" pitchFamily="34" charset="-127"/>
               </a:rPr>
               <a:t>격자 </a:t>
             </a:r>
             <a:r>
-              <a:rPr lang="en-US" altLang="ko-KR" sz="1200">
+              <a:rPr lang="en-US" altLang="ko-KR" sz="1200" dirty="0">
                 <a:latin typeface="NanumBarunGothic" panose="020B0603020101020101" pitchFamily="34" charset="-127"/>
                 <a:ea typeface="NanumBarunGothic" panose="020B0603020101020101" pitchFamily="34" charset="-127"/>
               </a:rPr>
               <a:t>+ </a:t>
             </a:r>
             <a:r>
-              <a:rPr lang="ko-KR" altLang="en-US" sz="1200">
+              <a:rPr lang="ko-KR" altLang="en-US" sz="1200" dirty="0">
                 <a:latin typeface="NanumBarunGothic" panose="020B0603020101020101" pitchFamily="34" charset="-127"/>
                 <a:ea typeface="NanumBarunGothic" panose="020B0603020101020101" pitchFamily="34" charset="-127"/>
               </a:rPr>
               <a:t>트랜스포머</a:t>
             </a:r>
             <a:r>
-              <a:rPr lang="en-US" altLang="ko-KR" sz="1200">
+              <a:rPr lang="en-US" altLang="ko-KR" sz="1200" dirty="0">
                 <a:latin typeface="NanumBarunGothic" panose="020B0603020101020101" pitchFamily="34" charset="-127"/>
                 <a:ea typeface="NanumBarunGothic" panose="020B0603020101020101" pitchFamily="34" charset="-127"/>
               </a:rPr>
               <a:t>(En)</a:t>
             </a:r>
             <a:r>
-              <a:rPr lang="ko-KR" altLang="en-US" sz="1200">
+              <a:rPr lang="ko-KR" altLang="en-US" sz="1200" dirty="0">
                 <a:latin typeface="NanumBarunGothic" panose="020B0603020101020101" pitchFamily="34" charset="-127"/>
                 <a:ea typeface="NanumBarunGothic" panose="020B0603020101020101" pitchFamily="34" charset="-127"/>
               </a:rPr>
               <a:t>를 사용하여 성능을 향상시키는 방법이 설명되어야 합니다</a:t>
             </a:r>
             <a:r>
-              <a:rPr lang="en-US" altLang="ko-KR" sz="1200">
+              <a:rPr lang="en-US" altLang="ko-KR" sz="1200" dirty="0">
                 <a:latin typeface="NanumBarunGothic" panose="020B0603020101020101" pitchFamily="34" charset="-127"/>
                 <a:ea typeface="NanumBarunGothic" panose="020B0603020101020101" pitchFamily="34" charset="-127"/>
               </a:rPr>
               <a:t>. </a:t>
             </a:r>
             <a:r>
-              <a:rPr lang="ko-KR" altLang="en-US" sz="1200">
+              <a:rPr lang="ko-KR" altLang="en-US" sz="1200" dirty="0">
                 <a:latin typeface="NanumBarunGothic" panose="020B0603020101020101" pitchFamily="34" charset="-127"/>
                 <a:ea typeface="NanumBarunGothic" panose="020B0603020101020101" pitchFamily="34" charset="-127"/>
               </a:rPr>
               <a:t>동일한 컴퓨팅 리소스에서 성능 비용은 무엇을 의미하나요</a:t>
             </a:r>
             <a:r>
-              <a:rPr lang="en-US" altLang="ko-KR" sz="1200">
+              <a:rPr lang="en-US" altLang="ko-KR" sz="1200" dirty="0">
                 <a:latin typeface="NanumBarunGothic" panose="020B0603020101020101" pitchFamily="34" charset="-127"/>
                 <a:ea typeface="NanumBarunGothic" panose="020B0603020101020101" pitchFamily="34" charset="-127"/>
               </a:rPr>
               <a:t>? </a:t>
             </a:r>
             <a:r>
-              <a:rPr lang="ko-KR" altLang="en-US" sz="1200">
+              <a:rPr lang="ko-KR" altLang="en-US" sz="1200" dirty="0">
                 <a:latin typeface="NanumBarunGothic" panose="020B0603020101020101" pitchFamily="34" charset="-127"/>
                 <a:ea typeface="NanumBarunGothic" panose="020B0603020101020101" pitchFamily="34" charset="-127"/>
               </a:rPr>
               <a:t>격자 </a:t>
             </a:r>
             <a:r>
-              <a:rPr lang="en-US" altLang="ko-KR" sz="1200">
+              <a:rPr lang="en-US" altLang="ko-KR" sz="1200" dirty="0">
                 <a:latin typeface="NanumBarunGothic" panose="020B0603020101020101" pitchFamily="34" charset="-127"/>
                 <a:ea typeface="NanumBarunGothic" panose="020B0603020101020101" pitchFamily="34" charset="-127"/>
               </a:rPr>
               <a:t>+ </a:t>
             </a:r>
             <a:r>
-              <a:rPr lang="ko-KR" altLang="en-US" sz="1200">
+              <a:rPr lang="ko-KR" altLang="en-US" sz="1200" dirty="0">
                 <a:latin typeface="NanumBarunGothic" panose="020B0603020101020101" pitchFamily="34" charset="-127"/>
                 <a:ea typeface="NanumBarunGothic" panose="020B0603020101020101" pitchFamily="34" charset="-127"/>
               </a:rPr>
               <a:t>트랜스포머</a:t>
             </a:r>
             <a:r>
-              <a:rPr lang="en-US" altLang="ko-KR" sz="1200">
+              <a:rPr lang="en-US" altLang="ko-KR" sz="1200" dirty="0">
                 <a:latin typeface="NanumBarunGothic" panose="020B0603020101020101" pitchFamily="34" charset="-127"/>
                 <a:ea typeface="NanumBarunGothic" panose="020B0603020101020101" pitchFamily="34" charset="-127"/>
               </a:rPr>
               <a:t>(En) </a:t>
             </a:r>
             <a:r>
-              <a:rPr lang="ko-KR" altLang="en-US" sz="1200">
+              <a:rPr lang="ko-KR" altLang="en-US" sz="1200" dirty="0">
                 <a:latin typeface="NanumBarunGothic" panose="020B0603020101020101" pitchFamily="34" charset="-127"/>
                 <a:ea typeface="NanumBarunGothic" panose="020B0603020101020101" pitchFamily="34" charset="-127"/>
               </a:rPr>
               <a:t>모델은 다이어그램을 통해 더 자세히 설명할 필요가 있습니다</a:t>
             </a:r>
             <a:r>
-              <a:rPr lang="en-US" altLang="ko-KR" sz="1200">
+              <a:rPr lang="en-US" altLang="ko-KR" sz="1200" dirty="0">
                 <a:latin typeface="NanumBarunGothic" panose="020B0603020101020101" pitchFamily="34" charset="-127"/>
                 <a:ea typeface="NanumBarunGothic" panose="020B0603020101020101" pitchFamily="34" charset="-127"/>
               </a:rPr>
@@ -6194,27 +6364,27 @@
               <a:buNone/>
             </a:pPr>
             <a:r>
-              <a:rPr lang="en-US" altLang="ko-KR" sz="1200">
+              <a:rPr lang="en-US" altLang="ko-KR" sz="1200" dirty="0">
                 <a:latin typeface="NanumBarunGothic" panose="020B0603020101020101" pitchFamily="34" charset="-127"/>
                 <a:ea typeface="NanumBarunGothic" panose="020B0603020101020101" pitchFamily="34" charset="-127"/>
               </a:rPr>
               <a:t>7. </a:t>
             </a:r>
             <a:r>
-              <a:rPr lang="ko-KR" altLang="en-US" sz="1200">
+              <a:rPr lang="ko-KR" altLang="en-US" sz="1200" dirty="0">
                 <a:latin typeface="NanumBarunGothic" panose="020B0603020101020101" pitchFamily="34" charset="-127"/>
                 <a:ea typeface="NanumBarunGothic" panose="020B0603020101020101" pitchFamily="34" charset="-127"/>
               </a:rPr>
               <a:t>결과는 더 엄격해야 하며 실험 결과는 결과와 개념을 뒷받침하기에 충분해야 합니다</a:t>
             </a:r>
             <a:r>
-              <a:rPr lang="en-US" altLang="ko-KR" sz="1200">
+              <a:rPr lang="en-US" altLang="ko-KR" sz="1200" dirty="0">
                 <a:latin typeface="NanumBarunGothic" panose="020B0603020101020101" pitchFamily="34" charset="-127"/>
                 <a:ea typeface="NanumBarunGothic" panose="020B0603020101020101" pitchFamily="34" charset="-127"/>
               </a:rPr>
               <a:t>.</a:t>
             </a:r>
-            <a:endParaRPr lang="ko-KR" altLang="en-US" sz="1200">
+            <a:endParaRPr lang="ko-KR" altLang="en-US" sz="1200" dirty="0">
               <a:latin typeface="NanumBarunGothic" panose="020B0603020101020101" pitchFamily="34" charset="-127"/>
               <a:ea typeface="NanumBarunGothic" panose="020B0603020101020101" pitchFamily="34" charset="-127"/>
             </a:endParaRPr>
@@ -7031,36 +7201,6 @@
     <p:extLst>
       <p:ext uri="{BB962C8B-B14F-4D97-AF65-F5344CB8AC3E}">
         <p14:creationId xmlns:p14="http://schemas.microsoft.com/office/powerpoint/2010/main" val="2392391510"/>
-      </p:ext>
-    </p:extLst>
-  </p:cSld>
-  <p:clrMapOvr>
-    <a:masterClrMapping/>
-  </p:clrMapOvr>
-</p:sld>
-</file>
-
-<file path=ppt/slides/slide5.xml><?xml version="1.0" encoding="utf-8"?>
-<p:sld xmlns:a="http://schemas.openxmlformats.org/drawingml/2006/main" xmlns:r="http://schemas.openxmlformats.org/officeDocument/2006/relationships" xmlns:p="http://schemas.openxmlformats.org/presentationml/2006/main">
-  <p:cSld>
-    <p:spTree>
-      <p:nvGrpSpPr>
-        <p:cNvPr id="1" name=""/>
-        <p:cNvGrpSpPr/>
-        <p:nvPr/>
-      </p:nvGrpSpPr>
-      <p:grpSpPr>
-        <a:xfrm>
-          <a:off x="0" y="0"/>
-          <a:ext cx="0" cy="0"/>
-          <a:chOff x="0" y="0"/>
-          <a:chExt cx="0" cy="0"/>
-        </a:xfrm>
-      </p:grpSpPr>
-    </p:spTree>
-    <p:extLst>
-      <p:ext uri="{BB962C8B-B14F-4D97-AF65-F5344CB8AC3E}">
-        <p14:creationId xmlns:p14="http://schemas.microsoft.com/office/powerpoint/2010/main" val="2206594376"/>
       </p:ext>
     </p:extLst>
   </p:cSld>

--- a/contents/review.pptx
+++ b/contents/review.pptx
@@ -5627,6 +5627,9 @@
             </a:pPr>
             <a:r>
               <a:rPr lang="en-US" altLang="ko-KR" sz="1200" dirty="0">
+                <a:solidFill>
+                  <a:schemeClr val="accent6"/>
+                </a:solidFill>
                 <a:latin typeface="NanumBarunGothic" panose="020B0603020101020101" pitchFamily="34" charset="-127"/>
                 <a:ea typeface="NanumBarunGothic" panose="020B0603020101020101" pitchFamily="34" charset="-127"/>
               </a:rPr>
@@ -5958,6 +5961,9 @@
             </a:pPr>
             <a:r>
               <a:rPr lang="en-US" altLang="ko-KR" sz="1200" dirty="0">
+                <a:solidFill>
+                  <a:schemeClr val="accent6"/>
+                </a:solidFill>
                 <a:latin typeface="NanumBarunGothic" panose="020B0603020101020101" pitchFamily="34" charset="-127"/>
                 <a:ea typeface="NanumBarunGothic" panose="020B0603020101020101" pitchFamily="34" charset="-127"/>
               </a:rPr>
@@ -5965,6 +5971,9 @@
             </a:r>
             <a:r>
               <a:rPr lang="ko-KR" altLang="en-US" sz="1200" dirty="0">
+                <a:solidFill>
+                  <a:schemeClr val="accent6"/>
+                </a:solidFill>
                 <a:latin typeface="NanumBarunGothic" panose="020B0603020101020101" pitchFamily="34" charset="-127"/>
                 <a:ea typeface="NanumBarunGothic" panose="020B0603020101020101" pitchFamily="34" charset="-127"/>
               </a:rPr>
@@ -5972,6 +5981,9 @@
             </a:r>
             <a:r>
               <a:rPr lang="en-US" altLang="ko-KR" sz="1200" dirty="0">
+                <a:solidFill>
+                  <a:schemeClr val="accent6"/>
+                </a:solidFill>
                 <a:latin typeface="NanumBarunGothic" panose="020B0603020101020101" pitchFamily="34" charset="-127"/>
                 <a:ea typeface="NanumBarunGothic" panose="020B0603020101020101" pitchFamily="34" charset="-127"/>
               </a:rPr>
@@ -5979,6 +5991,9 @@
             </a:r>
             <a:r>
               <a:rPr lang="ko-KR" altLang="en-US" sz="1200" dirty="0">
+                <a:solidFill>
+                  <a:schemeClr val="accent6"/>
+                </a:solidFill>
                 <a:latin typeface="NanumBarunGothic" panose="020B0603020101020101" pitchFamily="34" charset="-127"/>
                 <a:ea typeface="NanumBarunGothic" panose="020B0603020101020101" pitchFamily="34" charset="-127"/>
               </a:rPr>
@@ -5986,6 +6001,9 @@
             </a:r>
             <a:r>
               <a:rPr lang="en-US" altLang="ko-KR" sz="1200" dirty="0">
+                <a:solidFill>
+                  <a:schemeClr val="accent6"/>
+                </a:solidFill>
                 <a:latin typeface="NanumBarunGothic" panose="020B0603020101020101" pitchFamily="34" charset="-127"/>
                 <a:ea typeface="NanumBarunGothic" panose="020B0603020101020101" pitchFamily="34" charset="-127"/>
               </a:rPr>

--- a/contents/review.pptx
+++ b/contents/review.pptx
@@ -4578,6 +4578,9 @@
             </a:pPr>
             <a:r>
               <a:rPr lang="en-US" altLang="ko-KR" sz="1200" dirty="0">
+                <a:solidFill>
+                  <a:schemeClr val="accent6"/>
+                </a:solidFill>
                 <a:latin typeface="NanumBarunGothic" panose="020B0603020101020101" pitchFamily="34" charset="-127"/>
                 <a:ea typeface="NanumBarunGothic" panose="020B0603020101020101" pitchFamily="34" charset="-127"/>
               </a:rPr>
@@ -4585,6 +4588,9 @@
             </a:r>
             <a:r>
               <a:rPr lang="en-US" altLang="ko-KR" sz="1200" dirty="0" err="1">
+                <a:solidFill>
+                  <a:schemeClr val="accent6"/>
+                </a:solidFill>
                 <a:latin typeface="NanumBarunGothic" panose="020B0603020101020101" pitchFamily="34" charset="-127"/>
                 <a:ea typeface="NanumBarunGothic" panose="020B0603020101020101" pitchFamily="34" charset="-127"/>
               </a:rPr>
@@ -4592,6 +4598,9 @@
             </a:r>
             <a:r>
               <a:rPr lang="en-US" altLang="ko-KR" sz="1200" dirty="0">
+                <a:solidFill>
+                  <a:schemeClr val="accent6"/>
+                </a:solidFill>
                 <a:latin typeface="NanumBarunGothic" panose="020B0603020101020101" pitchFamily="34" charset="-127"/>
                 <a:ea typeface="NanumBarunGothic" panose="020B0603020101020101" pitchFamily="34" charset="-127"/>
               </a:rPr>
@@ -5220,6 +5229,9 @@
             </a:pPr>
             <a:r>
               <a:rPr lang="en-US" altLang="ko-KR" sz="1200" dirty="0">
+                <a:solidFill>
+                  <a:schemeClr val="accent6"/>
+                </a:solidFill>
                 <a:latin typeface="NanumBarunGothic" panose="020B0603020101020101" pitchFamily="34" charset="-127"/>
                 <a:ea typeface="NanumBarunGothic" panose="020B0603020101020101" pitchFamily="34" charset="-127"/>
               </a:rPr>
@@ -5227,6 +5239,9 @@
             </a:r>
             <a:r>
               <a:rPr lang="ko-KR" altLang="en-US" sz="1200" dirty="0">
+                <a:solidFill>
+                  <a:schemeClr val="accent6"/>
+                </a:solidFill>
                 <a:latin typeface="NanumBarunGothic" panose="020B0603020101020101" pitchFamily="34" charset="-127"/>
                 <a:ea typeface="NanumBarunGothic" panose="020B0603020101020101" pitchFamily="34" charset="-127"/>
               </a:rPr>
@@ -5234,6 +5249,9 @@
             </a:r>
             <a:r>
               <a:rPr lang="en-US" altLang="ko-KR" sz="1200" dirty="0">
+                <a:solidFill>
+                  <a:schemeClr val="accent6"/>
+                </a:solidFill>
                 <a:latin typeface="NanumBarunGothic" panose="020B0603020101020101" pitchFamily="34" charset="-127"/>
                 <a:ea typeface="NanumBarunGothic" panose="020B0603020101020101" pitchFamily="34" charset="-127"/>
               </a:rPr>
@@ -5241,6 +5259,9 @@
             </a:r>
             <a:r>
               <a:rPr lang="en-US" altLang="ko-KR" sz="1200" dirty="0" err="1">
+                <a:solidFill>
+                  <a:schemeClr val="accent6"/>
+                </a:solidFill>
                 <a:latin typeface="NanumBarunGothic" panose="020B0603020101020101" pitchFamily="34" charset="-127"/>
                 <a:ea typeface="NanumBarunGothic" panose="020B0603020101020101" pitchFamily="34" charset="-127"/>
               </a:rPr>
@@ -5248,6 +5269,9 @@
             </a:r>
             <a:r>
               <a:rPr lang="en-US" altLang="ko-KR" sz="1200" dirty="0">
+                <a:solidFill>
+                  <a:schemeClr val="accent6"/>
+                </a:solidFill>
                 <a:latin typeface="NanumBarunGothic" panose="020B0603020101020101" pitchFamily="34" charset="-127"/>
                 <a:ea typeface="NanumBarunGothic" panose="020B0603020101020101" pitchFamily="34" charset="-127"/>
               </a:rPr>
@@ -5255,6 +5279,9 @@
             </a:r>
             <a:r>
               <a:rPr lang="ko-KR" altLang="en-US" sz="1200" dirty="0">
+                <a:solidFill>
+                  <a:schemeClr val="accent6"/>
+                </a:solidFill>
                 <a:latin typeface="NanumBarunGothic" panose="020B0603020101020101" pitchFamily="34" charset="-127"/>
                 <a:ea typeface="NanumBarunGothic" panose="020B0603020101020101" pitchFamily="34" charset="-127"/>
               </a:rPr>
@@ -5262,6 +5289,9 @@
             </a:r>
             <a:r>
               <a:rPr lang="en-US" altLang="ko-KR" sz="1200" dirty="0">
+                <a:solidFill>
+                  <a:schemeClr val="accent6"/>
+                </a:solidFill>
                 <a:latin typeface="NanumBarunGothic" panose="020B0603020101020101" pitchFamily="34" charset="-127"/>
                 <a:ea typeface="NanumBarunGothic" panose="020B0603020101020101" pitchFamily="34" charset="-127"/>
               </a:rPr>

--- a/contents/review.pptx
+++ b/contents/review.pptx
@@ -4616,6 +4616,9 @@
             </a:pPr>
             <a:r>
               <a:rPr lang="en-US" altLang="ko-KR" sz="1200" dirty="0">
+                <a:solidFill>
+                  <a:schemeClr val="accent6"/>
+                </a:solidFill>
                 <a:latin typeface="NanumBarunGothic" panose="020B0603020101020101" pitchFamily="34" charset="-127"/>
                 <a:ea typeface="NanumBarunGothic" panose="020B0603020101020101" pitchFamily="34" charset="-127"/>
               </a:rPr>
@@ -4623,6 +4626,9 @@
             </a:r>
             <a:r>
               <a:rPr lang="en-US" altLang="ko-KR" sz="1200" dirty="0" err="1">
+                <a:solidFill>
+                  <a:schemeClr val="accent6"/>
+                </a:solidFill>
                 <a:latin typeface="NanumBarunGothic" panose="020B0603020101020101" pitchFamily="34" charset="-127"/>
                 <a:ea typeface="NanumBarunGothic" panose="020B0603020101020101" pitchFamily="34" charset="-127"/>
               </a:rPr>
@@ -4630,6 +4636,9 @@
             </a:r>
             <a:r>
               <a:rPr lang="en-US" altLang="ko-KR" sz="1200" dirty="0">
+                <a:solidFill>
+                  <a:schemeClr val="accent6"/>
+                </a:solidFill>
                 <a:latin typeface="NanumBarunGothic" panose="020B0603020101020101" pitchFamily="34" charset="-127"/>
                 <a:ea typeface="NanumBarunGothic" panose="020B0603020101020101" pitchFamily="34" charset="-127"/>
               </a:rPr>
@@ -5307,6 +5316,9 @@
             </a:pPr>
             <a:r>
               <a:rPr lang="en-US" altLang="ko-KR" sz="1200" dirty="0">
+                <a:solidFill>
+                  <a:schemeClr val="accent6"/>
+                </a:solidFill>
                 <a:latin typeface="NanumBarunGothic" panose="020B0603020101020101" pitchFamily="34" charset="-127"/>
                 <a:ea typeface="NanumBarunGothic" panose="020B0603020101020101" pitchFamily="34" charset="-127"/>
               </a:rPr>
@@ -5314,6 +5326,9 @@
             </a:r>
             <a:r>
               <a:rPr lang="ko-KR" altLang="en-US" sz="1200" dirty="0">
+                <a:solidFill>
+                  <a:schemeClr val="accent6"/>
+                </a:solidFill>
                 <a:latin typeface="NanumBarunGothic" panose="020B0603020101020101" pitchFamily="34" charset="-127"/>
                 <a:ea typeface="NanumBarunGothic" panose="020B0603020101020101" pitchFamily="34" charset="-127"/>
               </a:rPr>
@@ -5321,6 +5336,9 @@
             </a:r>
             <a:r>
               <a:rPr lang="en-US" altLang="ko-KR" sz="1200" dirty="0">
+                <a:solidFill>
+                  <a:schemeClr val="accent6"/>
+                </a:solidFill>
                 <a:latin typeface="NanumBarunGothic" panose="020B0603020101020101" pitchFamily="34" charset="-127"/>
                 <a:ea typeface="NanumBarunGothic" panose="020B0603020101020101" pitchFamily="34" charset="-127"/>
               </a:rPr>
@@ -5328,6 +5346,9 @@
             </a:r>
             <a:r>
               <a:rPr lang="ko-KR" altLang="en-US" sz="1200" dirty="0">
+                <a:solidFill>
+                  <a:schemeClr val="accent6"/>
+                </a:solidFill>
                 <a:latin typeface="NanumBarunGothic" panose="020B0603020101020101" pitchFamily="34" charset="-127"/>
                 <a:ea typeface="NanumBarunGothic" panose="020B0603020101020101" pitchFamily="34" charset="-127"/>
               </a:rPr>
@@ -5335,6 +5356,9 @@
             </a:r>
             <a:r>
               <a:rPr lang="en-US" altLang="ko-KR" sz="1200" dirty="0">
+                <a:solidFill>
+                  <a:schemeClr val="accent6"/>
+                </a:solidFill>
                 <a:latin typeface="NanumBarunGothic" panose="020B0603020101020101" pitchFamily="34" charset="-127"/>
                 <a:ea typeface="NanumBarunGothic" panose="020B0603020101020101" pitchFamily="34" charset="-127"/>
               </a:rPr>
@@ -5342,6 +5366,9 @@
             </a:r>
             <a:r>
               <a:rPr lang="ko-KR" altLang="en-US" sz="1200" dirty="0">
+                <a:solidFill>
+                  <a:schemeClr val="accent6"/>
+                </a:solidFill>
                 <a:latin typeface="NanumBarunGothic" panose="020B0603020101020101" pitchFamily="34" charset="-127"/>
                 <a:ea typeface="NanumBarunGothic" panose="020B0603020101020101" pitchFamily="34" charset="-127"/>
               </a:rPr>
@@ -5349,6 +5376,9 @@
             </a:r>
             <a:r>
               <a:rPr lang="en-US" altLang="ko-KR" sz="1200" dirty="0">
+                <a:solidFill>
+                  <a:schemeClr val="accent6"/>
+                </a:solidFill>
                 <a:latin typeface="NanumBarunGothic" panose="020B0603020101020101" pitchFamily="34" charset="-127"/>
                 <a:ea typeface="NanumBarunGothic" panose="020B0603020101020101" pitchFamily="34" charset="-127"/>
               </a:rPr>
@@ -5356,6 +5386,9 @@
             </a:r>
             <a:r>
               <a:rPr lang="ko-KR" altLang="en-US" sz="1200" dirty="0">
+                <a:solidFill>
+                  <a:schemeClr val="accent6"/>
+                </a:solidFill>
                 <a:latin typeface="NanumBarunGothic" panose="020B0603020101020101" pitchFamily="34" charset="-127"/>
                 <a:ea typeface="NanumBarunGothic" panose="020B0603020101020101" pitchFamily="34" charset="-127"/>
               </a:rPr>
@@ -5363,6 +5396,9 @@
             </a:r>
             <a:r>
               <a:rPr lang="en-US" altLang="ko-KR" sz="1200" dirty="0">
+                <a:solidFill>
+                  <a:schemeClr val="accent6"/>
+                </a:solidFill>
                 <a:latin typeface="NanumBarunGothic" panose="020B0603020101020101" pitchFamily="34" charset="-127"/>
                 <a:ea typeface="NanumBarunGothic" panose="020B0603020101020101" pitchFamily="34" charset="-127"/>
               </a:rPr>
@@ -5370,6 +5406,9 @@
             </a:r>
             <a:r>
               <a:rPr lang="ko-KR" altLang="en-US" sz="1200" dirty="0">
+                <a:solidFill>
+                  <a:schemeClr val="accent6"/>
+                </a:solidFill>
                 <a:latin typeface="NanumBarunGothic" panose="020B0603020101020101" pitchFamily="34" charset="-127"/>
                 <a:ea typeface="NanumBarunGothic" panose="020B0603020101020101" pitchFamily="34" charset="-127"/>
               </a:rPr>
@@ -5377,6 +5416,9 @@
             </a:r>
             <a:r>
               <a:rPr lang="en-US" altLang="ko-KR" sz="1200" dirty="0">
+                <a:solidFill>
+                  <a:schemeClr val="accent6"/>
+                </a:solidFill>
                 <a:latin typeface="NanumBarunGothic" panose="020B0603020101020101" pitchFamily="34" charset="-127"/>
                 <a:ea typeface="NanumBarunGothic" panose="020B0603020101020101" pitchFamily="34" charset="-127"/>
               </a:rPr>

--- a/contents/review.pptx
+++ b/contents/review.pptx
@@ -4672,6 +4672,9 @@
             </a:pPr>
             <a:r>
               <a:rPr lang="en-US" altLang="ko-KR" sz="1200" dirty="0">
+                <a:solidFill>
+                  <a:schemeClr val="accent6"/>
+                </a:solidFill>
                 <a:latin typeface="NanumBarunGothic" panose="020B0603020101020101" pitchFamily="34" charset="-127"/>
                 <a:ea typeface="NanumBarunGothic" panose="020B0603020101020101" pitchFamily="34" charset="-127"/>
               </a:rPr>
@@ -5492,6 +5495,9 @@
             </a:pPr>
             <a:r>
               <a:rPr lang="en-US" altLang="ko-KR" sz="1200" dirty="0">
+                <a:solidFill>
+                  <a:schemeClr val="accent6"/>
+                </a:solidFill>
                 <a:latin typeface="NanumBarunGothic" panose="020B0603020101020101" pitchFamily="34" charset="-127"/>
                 <a:ea typeface="NanumBarunGothic" panose="020B0603020101020101" pitchFamily="34" charset="-127"/>
               </a:rPr>
@@ -5499,6 +5505,9 @@
             </a:r>
             <a:r>
               <a:rPr lang="ko-KR" altLang="en-US" sz="1200" dirty="0">
+                <a:solidFill>
+                  <a:schemeClr val="accent6"/>
+                </a:solidFill>
                 <a:latin typeface="NanumBarunGothic" panose="020B0603020101020101" pitchFamily="34" charset="-127"/>
                 <a:ea typeface="NanumBarunGothic" panose="020B0603020101020101" pitchFamily="34" charset="-127"/>
               </a:rPr>
@@ -5506,6 +5515,9 @@
             </a:r>
             <a:r>
               <a:rPr lang="en-US" altLang="ko-KR" sz="1200" dirty="0">
+                <a:solidFill>
+                  <a:schemeClr val="accent6"/>
+                </a:solidFill>
                 <a:latin typeface="NanumBarunGothic" panose="020B0603020101020101" pitchFamily="34" charset="-127"/>
                 <a:ea typeface="NanumBarunGothic" panose="020B0603020101020101" pitchFamily="34" charset="-127"/>
               </a:rPr>
@@ -5513,6 +5525,9 @@
             </a:r>
             <a:r>
               <a:rPr lang="ko-KR" altLang="en-US" sz="1200" dirty="0" err="1">
+                <a:solidFill>
+                  <a:schemeClr val="accent6"/>
+                </a:solidFill>
                 <a:latin typeface="NanumBarunGothic" panose="020B0603020101020101" pitchFamily="34" charset="-127"/>
                 <a:ea typeface="NanumBarunGothic" panose="020B0603020101020101" pitchFamily="34" charset="-127"/>
               </a:rPr>
@@ -5520,6 +5535,9 @@
             </a:r>
             <a:r>
               <a:rPr lang="ko-KR" altLang="en-US" sz="1200" dirty="0">
+                <a:solidFill>
+                  <a:schemeClr val="accent6"/>
+                </a:solidFill>
                 <a:latin typeface="NanumBarunGothic" panose="020B0603020101020101" pitchFamily="34" charset="-127"/>
                 <a:ea typeface="NanumBarunGothic" panose="020B0603020101020101" pitchFamily="34" charset="-127"/>
               </a:rPr>
@@ -5527,6 +5545,9 @@
             </a:r>
             <a:r>
               <a:rPr lang="en-US" altLang="ko-KR" sz="1200" dirty="0">
+                <a:solidFill>
+                  <a:schemeClr val="accent6"/>
+                </a:solidFill>
                 <a:latin typeface="NanumBarunGothic" panose="020B0603020101020101" pitchFamily="34" charset="-127"/>
                 <a:ea typeface="NanumBarunGothic" panose="020B0603020101020101" pitchFamily="34" charset="-127"/>
               </a:rPr>
@@ -5534,6 +5555,9 @@
             </a:r>
             <a:r>
               <a:rPr lang="ko-KR" altLang="en-US" sz="1200" dirty="0">
+                <a:solidFill>
+                  <a:schemeClr val="accent6"/>
+                </a:solidFill>
                 <a:latin typeface="NanumBarunGothic" panose="020B0603020101020101" pitchFamily="34" charset="-127"/>
                 <a:ea typeface="NanumBarunGothic" panose="020B0603020101020101" pitchFamily="34" charset="-127"/>
               </a:rPr>
@@ -5541,12 +5565,18 @@
             </a:r>
             <a:r>
               <a:rPr lang="en-US" altLang="ko-KR" sz="1200" dirty="0">
+                <a:solidFill>
+                  <a:schemeClr val="accent6"/>
+                </a:solidFill>
                 <a:latin typeface="NanumBarunGothic" panose="020B0603020101020101" pitchFamily="34" charset="-127"/>
                 <a:ea typeface="NanumBarunGothic" panose="020B0603020101020101" pitchFamily="34" charset="-127"/>
               </a:rPr>
               <a:t>.</a:t>
             </a:r>
             <a:endParaRPr lang="ko-KR" altLang="en-US" sz="1200" dirty="0">
+              <a:solidFill>
+                <a:schemeClr val="accent6"/>
+              </a:solidFill>
               <a:latin typeface="NanumBarunGothic" panose="020B0603020101020101" pitchFamily="34" charset="-127"/>
               <a:ea typeface="NanumBarunGothic" panose="020B0603020101020101" pitchFamily="34" charset="-127"/>
             </a:endParaRPr>

--- a/contents/review.pptx
+++ b/contents/review.pptx
@@ -5765,6 +5765,9 @@
             </a:pPr>
             <a:r>
               <a:rPr lang="en-US" altLang="ko-KR" sz="1200" dirty="0">
+                <a:solidFill>
+                  <a:schemeClr val="accent6"/>
+                </a:solidFill>
                 <a:latin typeface="NanumBarunGothic" panose="020B0603020101020101" pitchFamily="34" charset="-127"/>
                 <a:ea typeface="NanumBarunGothic" panose="020B0603020101020101" pitchFamily="34" charset="-127"/>
               </a:rPr>
@@ -6199,6 +6202,9 @@
             </a:pPr>
             <a:r>
               <a:rPr lang="en-US" altLang="ko-KR" sz="1200" dirty="0">
+                <a:solidFill>
+                  <a:schemeClr val="accent6"/>
+                </a:solidFill>
                 <a:latin typeface="NanumBarunGothic" panose="020B0603020101020101" pitchFamily="34" charset="-127"/>
                 <a:ea typeface="NanumBarunGothic" panose="020B0603020101020101" pitchFamily="34" charset="-127"/>
               </a:rPr>
@@ -6206,6 +6212,9 @@
             </a:r>
             <a:r>
               <a:rPr lang="ko-KR" altLang="en-US" sz="1200" dirty="0" err="1">
+                <a:solidFill>
+                  <a:schemeClr val="accent6"/>
+                </a:solidFill>
                 <a:latin typeface="NanumBarunGothic" panose="020B0603020101020101" pitchFamily="34" charset="-127"/>
                 <a:ea typeface="NanumBarunGothic" panose="020B0603020101020101" pitchFamily="34" charset="-127"/>
               </a:rPr>
@@ -6213,6 +6222,9 @@
             </a:r>
             <a:r>
               <a:rPr lang="ko-KR" altLang="en-US" sz="1200" dirty="0">
+                <a:solidFill>
+                  <a:schemeClr val="accent6"/>
+                </a:solidFill>
                 <a:latin typeface="NanumBarunGothic" panose="020B0603020101020101" pitchFamily="34" charset="-127"/>
                 <a:ea typeface="NanumBarunGothic" panose="020B0603020101020101" pitchFamily="34" charset="-127"/>
               </a:rPr>
@@ -6220,6 +6232,9 @@
             </a:r>
             <a:r>
               <a:rPr lang="en-US" altLang="ko-KR" sz="1200" dirty="0">
+                <a:solidFill>
+                  <a:schemeClr val="accent6"/>
+                </a:solidFill>
                 <a:latin typeface="NanumBarunGothic" panose="020B0603020101020101" pitchFamily="34" charset="-127"/>
                 <a:ea typeface="NanumBarunGothic" panose="020B0603020101020101" pitchFamily="34" charset="-127"/>
               </a:rPr>

--- a/contents/review.pptx
+++ b/contents/review.pptx
@@ -5801,10 +5801,13 @@
             </a:pPr>
             <a:r>
               <a:rPr lang="en-US" altLang="ko-KR" sz="1200" dirty="0">
-                <a:latin typeface="NanumBarunGothic" panose="020B0603020101020101" pitchFamily="34" charset="-127"/>
-                <a:ea typeface="NanumBarunGothic" panose="020B0603020101020101" pitchFamily="34" charset="-127"/>
-              </a:rPr>
-              <a:t>6. The re-ranking performance should explain the need for Lattice + Transformer (En)? and why transformers are used? How performance is increased using Lattice + Transformer (En). What does the cost of performance, mean with the same computational resources? The Lattice + Transformer (En) model needs to be explained more in detail with diagrams.</a:t>
+                <a:solidFill>
+                  <a:schemeClr val="accent6"/>
+                </a:solidFill>
+                <a:latin typeface="NanumBarunGothic" panose="020B0603020101020101" pitchFamily="34" charset="-127"/>
+                <a:ea typeface="NanumBarunGothic" panose="020B0603020101020101" pitchFamily="34" charset="-127"/>
+              </a:rPr>
+              <a:t>6. The re-ranking performance should explain the need for Lattice + Transformer (Encoder)? and why transformers are used? How performance is increased using Lattice + Transformer (Encoder). What does the cost of performance, mean with the same computational resources? The Lattice + Transformer (Encoder) model needs to be explained more in detail with diagrams.</a:t>
             </a:r>
           </a:p>
           <a:p>
@@ -6338,6 +6341,9 @@
             </a:pPr>
             <a:r>
               <a:rPr lang="en-US" altLang="ko-KR" sz="1200" dirty="0">
+                <a:solidFill>
+                  <a:schemeClr val="accent6"/>
+                </a:solidFill>
                 <a:latin typeface="NanumBarunGothic" panose="020B0603020101020101" pitchFamily="34" charset="-127"/>
                 <a:ea typeface="NanumBarunGothic" panose="020B0603020101020101" pitchFamily="34" charset="-127"/>
               </a:rPr>
@@ -6345,6 +6351,9 @@
             </a:r>
             <a:r>
               <a:rPr lang="ko-KR" altLang="en-US" sz="1200" dirty="0" err="1">
+                <a:solidFill>
+                  <a:schemeClr val="accent6"/>
+                </a:solidFill>
                 <a:latin typeface="NanumBarunGothic" panose="020B0603020101020101" pitchFamily="34" charset="-127"/>
                 <a:ea typeface="NanumBarunGothic" panose="020B0603020101020101" pitchFamily="34" charset="-127"/>
               </a:rPr>
@@ -6352,6 +6361,9 @@
             </a:r>
             <a:r>
               <a:rPr lang="ko-KR" altLang="en-US" sz="1200" dirty="0">
+                <a:solidFill>
+                  <a:schemeClr val="accent6"/>
+                </a:solidFill>
                 <a:latin typeface="NanumBarunGothic" panose="020B0603020101020101" pitchFamily="34" charset="-127"/>
                 <a:ea typeface="NanumBarunGothic" panose="020B0603020101020101" pitchFamily="34" charset="-127"/>
               </a:rPr>
@@ -6359,6 +6371,9 @@
             </a:r>
             <a:r>
               <a:rPr lang="en-US" altLang="ko-KR" sz="1200" dirty="0">
+                <a:solidFill>
+                  <a:schemeClr val="accent6"/>
+                </a:solidFill>
                 <a:latin typeface="NanumBarunGothic" panose="020B0603020101020101" pitchFamily="34" charset="-127"/>
                 <a:ea typeface="NanumBarunGothic" panose="020B0603020101020101" pitchFamily="34" charset="-127"/>
               </a:rPr>
@@ -6366,6 +6381,9 @@
             </a:r>
             <a:r>
               <a:rPr lang="ko-KR" altLang="en-US" sz="1200" dirty="0">
+                <a:solidFill>
+                  <a:schemeClr val="accent6"/>
+                </a:solidFill>
                 <a:latin typeface="NanumBarunGothic" panose="020B0603020101020101" pitchFamily="34" charset="-127"/>
                 <a:ea typeface="NanumBarunGothic" panose="020B0603020101020101" pitchFamily="34" charset="-127"/>
               </a:rPr>
@@ -6373,6 +6391,9 @@
             </a:r>
             <a:r>
               <a:rPr lang="en-US" altLang="ko-KR" sz="1200" dirty="0">
+                <a:solidFill>
+                  <a:schemeClr val="accent6"/>
+                </a:solidFill>
                 <a:latin typeface="NanumBarunGothic" panose="020B0603020101020101" pitchFamily="34" charset="-127"/>
                 <a:ea typeface="NanumBarunGothic" panose="020B0603020101020101" pitchFamily="34" charset="-127"/>
               </a:rPr>
@@ -6380,6 +6401,9 @@
             </a:r>
             <a:r>
               <a:rPr lang="ko-KR" altLang="en-US" sz="1200" dirty="0">
+                <a:solidFill>
+                  <a:schemeClr val="accent6"/>
+                </a:solidFill>
                 <a:latin typeface="NanumBarunGothic" panose="020B0603020101020101" pitchFamily="34" charset="-127"/>
                 <a:ea typeface="NanumBarunGothic" panose="020B0603020101020101" pitchFamily="34" charset="-127"/>
               </a:rPr>
@@ -6387,6 +6411,9 @@
             </a:r>
             <a:r>
               <a:rPr lang="en-US" altLang="ko-KR" sz="1200" dirty="0">
+                <a:solidFill>
+                  <a:schemeClr val="accent6"/>
+                </a:solidFill>
                 <a:latin typeface="NanumBarunGothic" panose="020B0603020101020101" pitchFamily="34" charset="-127"/>
                 <a:ea typeface="NanumBarunGothic" panose="020B0603020101020101" pitchFamily="34" charset="-127"/>
               </a:rPr>
@@ -6394,6 +6421,9 @@
             </a:r>
             <a:r>
               <a:rPr lang="ko-KR" altLang="en-US" sz="1200" dirty="0">
+                <a:solidFill>
+                  <a:schemeClr val="accent6"/>
+                </a:solidFill>
                 <a:latin typeface="NanumBarunGothic" panose="020B0603020101020101" pitchFamily="34" charset="-127"/>
                 <a:ea typeface="NanumBarunGothic" panose="020B0603020101020101" pitchFamily="34" charset="-127"/>
               </a:rPr>
@@ -6401,6 +6431,9 @@
             </a:r>
             <a:r>
               <a:rPr lang="en-US" altLang="ko-KR" sz="1200" dirty="0">
+                <a:solidFill>
+                  <a:schemeClr val="accent6"/>
+                </a:solidFill>
                 <a:latin typeface="NanumBarunGothic" panose="020B0603020101020101" pitchFamily="34" charset="-127"/>
                 <a:ea typeface="NanumBarunGothic" panose="020B0603020101020101" pitchFamily="34" charset="-127"/>
               </a:rPr>
@@ -6408,6 +6441,9 @@
             </a:r>
             <a:r>
               <a:rPr lang="ko-KR" altLang="en-US" sz="1200" dirty="0">
+                <a:solidFill>
+                  <a:schemeClr val="accent6"/>
+                </a:solidFill>
                 <a:latin typeface="NanumBarunGothic" panose="020B0603020101020101" pitchFamily="34" charset="-127"/>
                 <a:ea typeface="NanumBarunGothic" panose="020B0603020101020101" pitchFamily="34" charset="-127"/>
               </a:rPr>
@@ -6415,6 +6451,9 @@
             </a:r>
             <a:r>
               <a:rPr lang="en-US" altLang="ko-KR" sz="1200" dirty="0">
+                <a:solidFill>
+                  <a:schemeClr val="accent6"/>
+                </a:solidFill>
                 <a:latin typeface="NanumBarunGothic" panose="020B0603020101020101" pitchFamily="34" charset="-127"/>
                 <a:ea typeface="NanumBarunGothic" panose="020B0603020101020101" pitchFamily="34" charset="-127"/>
               </a:rPr>
@@ -6422,6 +6461,9 @@
             </a:r>
             <a:r>
               <a:rPr lang="ko-KR" altLang="en-US" sz="1200" dirty="0">
+                <a:solidFill>
+                  <a:schemeClr val="accent6"/>
+                </a:solidFill>
                 <a:latin typeface="NanumBarunGothic" panose="020B0603020101020101" pitchFamily="34" charset="-127"/>
                 <a:ea typeface="NanumBarunGothic" panose="020B0603020101020101" pitchFamily="34" charset="-127"/>
               </a:rPr>
@@ -6429,6 +6471,9 @@
             </a:r>
             <a:r>
               <a:rPr lang="en-US" altLang="ko-KR" sz="1200" dirty="0">
+                <a:solidFill>
+                  <a:schemeClr val="accent6"/>
+                </a:solidFill>
                 <a:latin typeface="NanumBarunGothic" panose="020B0603020101020101" pitchFamily="34" charset="-127"/>
                 <a:ea typeface="NanumBarunGothic" panose="020B0603020101020101" pitchFamily="34" charset="-127"/>
               </a:rPr>
@@ -6436,6 +6481,9 @@
             </a:r>
             <a:r>
               <a:rPr lang="ko-KR" altLang="en-US" sz="1200" dirty="0">
+                <a:solidFill>
+                  <a:schemeClr val="accent6"/>
+                </a:solidFill>
                 <a:latin typeface="NanumBarunGothic" panose="020B0603020101020101" pitchFamily="34" charset="-127"/>
                 <a:ea typeface="NanumBarunGothic" panose="020B0603020101020101" pitchFamily="34" charset="-127"/>
               </a:rPr>
@@ -6443,6 +6491,9 @@
             </a:r>
             <a:r>
               <a:rPr lang="en-US" altLang="ko-KR" sz="1200" dirty="0">
+                <a:solidFill>
+                  <a:schemeClr val="accent6"/>
+                </a:solidFill>
                 <a:latin typeface="NanumBarunGothic" panose="020B0603020101020101" pitchFamily="34" charset="-127"/>
                 <a:ea typeface="NanumBarunGothic" panose="020B0603020101020101" pitchFamily="34" charset="-127"/>
               </a:rPr>
@@ -6450,6 +6501,9 @@
             </a:r>
             <a:r>
               <a:rPr lang="ko-KR" altLang="en-US" sz="1200" dirty="0">
+                <a:solidFill>
+                  <a:schemeClr val="accent6"/>
+                </a:solidFill>
                 <a:latin typeface="NanumBarunGothic" panose="020B0603020101020101" pitchFamily="34" charset="-127"/>
                 <a:ea typeface="NanumBarunGothic" panose="020B0603020101020101" pitchFamily="34" charset="-127"/>
               </a:rPr>
@@ -6457,6 +6511,9 @@
             </a:r>
             <a:r>
               <a:rPr lang="en-US" altLang="ko-KR" sz="1200" dirty="0">
+                <a:solidFill>
+                  <a:schemeClr val="accent6"/>
+                </a:solidFill>
                 <a:latin typeface="NanumBarunGothic" panose="020B0603020101020101" pitchFamily="34" charset="-127"/>
                 <a:ea typeface="NanumBarunGothic" panose="020B0603020101020101" pitchFamily="34" charset="-127"/>
               </a:rPr>
@@ -6464,6 +6521,9 @@
             </a:r>
             <a:r>
               <a:rPr lang="ko-KR" altLang="en-US" sz="1200" dirty="0">
+                <a:solidFill>
+                  <a:schemeClr val="accent6"/>
+                </a:solidFill>
                 <a:latin typeface="NanumBarunGothic" panose="020B0603020101020101" pitchFamily="34" charset="-127"/>
                 <a:ea typeface="NanumBarunGothic" panose="020B0603020101020101" pitchFamily="34" charset="-127"/>
               </a:rPr>
@@ -6471,6 +6531,9 @@
             </a:r>
             <a:r>
               <a:rPr lang="en-US" altLang="ko-KR" sz="1200" dirty="0">
+                <a:solidFill>
+                  <a:schemeClr val="accent6"/>
+                </a:solidFill>
                 <a:latin typeface="NanumBarunGothic" panose="020B0603020101020101" pitchFamily="34" charset="-127"/>
                 <a:ea typeface="NanumBarunGothic" panose="020B0603020101020101" pitchFamily="34" charset="-127"/>
               </a:rPr>
@@ -6478,6 +6541,9 @@
             </a:r>
             <a:r>
               <a:rPr lang="ko-KR" altLang="en-US" sz="1200" dirty="0">
+                <a:solidFill>
+                  <a:schemeClr val="accent6"/>
+                </a:solidFill>
                 <a:latin typeface="NanumBarunGothic" panose="020B0603020101020101" pitchFamily="34" charset="-127"/>
                 <a:ea typeface="NanumBarunGothic" panose="020B0603020101020101" pitchFamily="34" charset="-127"/>
               </a:rPr>
@@ -6485,6 +6551,9 @@
             </a:r>
             <a:r>
               <a:rPr lang="en-US" altLang="ko-KR" sz="1200" dirty="0">
+                <a:solidFill>
+                  <a:schemeClr val="accent6"/>
+                </a:solidFill>
                 <a:latin typeface="NanumBarunGothic" panose="020B0603020101020101" pitchFamily="34" charset="-127"/>
                 <a:ea typeface="NanumBarunGothic" panose="020B0603020101020101" pitchFamily="34" charset="-127"/>
               </a:rPr>

--- a/contents/review.pptx
+++ b/contents/review.pptx
@@ -6734,7 +6734,7 @@
               <a:buNone/>
             </a:pPr>
             <a:r>
-              <a:rPr lang="en-US" altLang="ko-KR" sz="1200">
+              <a:rPr lang="en-US" altLang="ko-KR" sz="1200" dirty="0">
                 <a:solidFill>
                   <a:schemeClr val="bg1">
                     <a:lumMod val="75000"/>
@@ -6754,7 +6754,7 @@
               <a:buNone/>
             </a:pPr>
             <a:r>
-              <a:rPr lang="en-US" altLang="ko-KR" sz="1200">
+              <a:rPr lang="en-US" altLang="ko-KR" sz="1200" dirty="0">
                 <a:solidFill>
                   <a:schemeClr val="bg1">
                     <a:lumMod val="75000"/>
@@ -6774,7 +6774,10 @@
               <a:buNone/>
             </a:pPr>
             <a:r>
-              <a:rPr lang="en-US" altLang="ko-KR" sz="1200">
+              <a:rPr lang="en-US" altLang="ko-KR" sz="1200" dirty="0">
+                <a:solidFill>
+                  <a:schemeClr val="accent6"/>
+                </a:solidFill>
                 <a:latin typeface="NanumBarunGothic" panose="020B0603020101020101" pitchFamily="34" charset="-127"/>
                 <a:ea typeface="NanumBarunGothic" panose="020B0603020101020101" pitchFamily="34" charset="-127"/>
               </a:rPr>
@@ -6789,11 +6792,34 @@
               <a:buNone/>
             </a:pPr>
             <a:r>
-              <a:rPr lang="en-US" altLang="ko-KR" sz="1200">
-                <a:latin typeface="NanumBarunGothic" panose="020B0603020101020101" pitchFamily="34" charset="-127"/>
-                <a:ea typeface="NanumBarunGothic" panose="020B0603020101020101" pitchFamily="34" charset="-127"/>
-              </a:rPr>
-              <a:t>2. Table 4 shows that Dictionary-based rerank shows better performance in all cases. However, the syllable-based shows a competitive performance in UC+EC (written and spoken). Can you explain or conjecture why that happened?</a:t>
+              <a:rPr lang="en-US" altLang="ko-KR" sz="1200" dirty="0">
+                <a:solidFill>
+                  <a:schemeClr val="accent6"/>
+                </a:solidFill>
+                <a:latin typeface="NanumBarunGothic" panose="020B0603020101020101" pitchFamily="34" charset="-127"/>
+                <a:ea typeface="NanumBarunGothic" panose="020B0603020101020101" pitchFamily="34" charset="-127"/>
+              </a:rPr>
+              <a:t>2. Table 4 shows that Dictionary-based </a:t>
+            </a:r>
+            <a:r>
+              <a:rPr lang="en-US" altLang="ko-KR" sz="1200" dirty="0" err="1">
+                <a:solidFill>
+                  <a:schemeClr val="accent6"/>
+                </a:solidFill>
+                <a:latin typeface="NanumBarunGothic" panose="020B0603020101020101" pitchFamily="34" charset="-127"/>
+                <a:ea typeface="NanumBarunGothic" panose="020B0603020101020101" pitchFamily="34" charset="-127"/>
+              </a:rPr>
+              <a:t>rerank</a:t>
+            </a:r>
+            <a:r>
+              <a:rPr lang="en-US" altLang="ko-KR" sz="1200" dirty="0">
+                <a:solidFill>
+                  <a:schemeClr val="accent6"/>
+                </a:solidFill>
+                <a:latin typeface="NanumBarunGothic" panose="020B0603020101020101" pitchFamily="34" charset="-127"/>
+                <a:ea typeface="NanumBarunGothic" panose="020B0603020101020101" pitchFamily="34" charset="-127"/>
+              </a:rPr>
+              <a:t> shows better performance in all cases. However, the syllable-based shows a competitive performance in UC+EC (written and spoken). Can you explain or conjecture why that happened?</a:t>
             </a:r>
           </a:p>
           <a:p>
@@ -6804,7 +6830,10 @@
               <a:buNone/>
             </a:pPr>
             <a:r>
-              <a:rPr lang="en-US" altLang="ko-KR" sz="1200">
+              <a:rPr lang="en-US" altLang="ko-KR" sz="1200" dirty="0">
+                <a:solidFill>
+                  <a:schemeClr val="accent6"/>
+                </a:solidFill>
                 <a:latin typeface="NanumBarunGothic" panose="020B0603020101020101" pitchFamily="34" charset="-127"/>
                 <a:ea typeface="NanumBarunGothic" panose="020B0603020101020101" pitchFamily="34" charset="-127"/>
               </a:rPr>
@@ -6819,11 +6848,25 @@
               <a:buNone/>
             </a:pPr>
             <a:r>
-              <a:rPr lang="en-US" altLang="ko-KR" sz="1200">
-                <a:latin typeface="NanumBarunGothic" panose="020B0603020101020101" pitchFamily="34" charset="-127"/>
-                <a:ea typeface="NanumBarunGothic" panose="020B0603020101020101" pitchFamily="34" charset="-127"/>
-              </a:rPr>
-              <a:t>4. Table 5: Sejong data shows poor performance in other approaches and proposed with rerank shows the better performance (from Table 3 and 4). However, Table 5 does not show any huge improvement compared to other approaches. Did you try with other dataset? Not sure how much improvement it will show with others.</a:t>
+              <a:rPr lang="en-US" altLang="ko-KR" sz="1200" dirty="0">
+                <a:latin typeface="NanumBarunGothic" panose="020B0603020101020101" pitchFamily="34" charset="-127"/>
+                <a:ea typeface="NanumBarunGothic" panose="020B0603020101020101" pitchFamily="34" charset="-127"/>
+              </a:rPr>
+              <a:t>4. Table 5: Sejong data shows poor performance in other approaches and proposed with </a:t>
+            </a:r>
+            <a:r>
+              <a:rPr lang="en-US" altLang="ko-KR" sz="1200" dirty="0" err="1">
+                <a:latin typeface="NanumBarunGothic" panose="020B0603020101020101" pitchFamily="34" charset="-127"/>
+                <a:ea typeface="NanumBarunGothic" panose="020B0603020101020101" pitchFamily="34" charset="-127"/>
+              </a:rPr>
+              <a:t>rerank</a:t>
+            </a:r>
+            <a:r>
+              <a:rPr lang="en-US" altLang="ko-KR" sz="1200" dirty="0">
+                <a:latin typeface="NanumBarunGothic" panose="020B0603020101020101" pitchFamily="34" charset="-127"/>
+                <a:ea typeface="NanumBarunGothic" panose="020B0603020101020101" pitchFamily="34" charset="-127"/>
+              </a:rPr>
+              <a:t> shows the better performance (from Table 3 and 4). However, Table 5 does not show any huge improvement compared to other approaches. Did you try with other dataset? Not sure how much improvement it will show with others.</a:t>
             </a:r>
           </a:p>
         </p:txBody>
@@ -6863,7 +6906,7 @@
               <a:buNone/>
             </a:pPr>
             <a:r>
-              <a:rPr lang="ko-KR" altLang="en-US" sz="1200">
+              <a:rPr lang="ko-KR" altLang="en-US" sz="1200" dirty="0">
                 <a:solidFill>
                   <a:schemeClr val="bg1">
                     <a:lumMod val="75000"/>
@@ -6875,7 +6918,7 @@
               <a:t>매우 흥미로운 논문입니다</a:t>
             </a:r>
             <a:r>
-              <a:rPr lang="en-US" altLang="ko-KR" sz="1200">
+              <a:rPr lang="en-US" altLang="ko-KR" sz="1200" dirty="0">
                 <a:solidFill>
                   <a:schemeClr val="bg1">
                     <a:lumMod val="75000"/>
@@ -6895,7 +6938,7 @@
               <a:buNone/>
             </a:pPr>
             <a:r>
-              <a:rPr lang="ko-KR" altLang="en-US" sz="1200">
+              <a:rPr lang="ko-KR" altLang="en-US" sz="1200" dirty="0">
                 <a:solidFill>
                   <a:schemeClr val="bg1">
                     <a:lumMod val="75000"/>
@@ -6907,7 +6950,7 @@
               <a:t>전반적으로 체계적이고 잘 작성되었습니다</a:t>
             </a:r>
             <a:r>
-              <a:rPr lang="en-US" altLang="ko-KR" sz="1200">
+              <a:rPr lang="en-US" altLang="ko-KR" sz="1200" dirty="0">
                 <a:solidFill>
                   <a:schemeClr val="bg1">
                     <a:lumMod val="75000"/>
@@ -6919,7 +6962,7 @@
               <a:t>. </a:t>
             </a:r>
             <a:r>
-              <a:rPr lang="ko-KR" altLang="en-US" sz="1200">
+              <a:rPr lang="ko-KR" altLang="en-US" sz="1200" dirty="0">
                 <a:solidFill>
                   <a:schemeClr val="bg1">
                     <a:lumMod val="75000"/>
@@ -6931,7 +6974,7 @@
               <a:t>다음은 몇 가지 의견입니다</a:t>
             </a:r>
             <a:r>
-              <a:rPr lang="en-US" altLang="ko-KR" sz="1200">
+              <a:rPr lang="en-US" altLang="ko-KR" sz="1200" dirty="0">
                 <a:solidFill>
                   <a:schemeClr val="bg1">
                     <a:lumMod val="75000"/>
@@ -6951,91 +6994,130 @@
               <a:buNone/>
             </a:pPr>
             <a:r>
-              <a:rPr lang="en-US" altLang="ko-KR" sz="1200">
+              <a:rPr lang="en-US" altLang="ko-KR" sz="1200" dirty="0">
+                <a:solidFill>
+                  <a:schemeClr val="accent6"/>
+                </a:solidFill>
                 <a:latin typeface="NanumBarunGothic" panose="020B0603020101020101" pitchFamily="34" charset="-127"/>
                 <a:ea typeface="NanumBarunGothic" panose="020B0603020101020101" pitchFamily="34" charset="-127"/>
               </a:rPr>
               <a:t>1. </a:t>
             </a:r>
             <a:r>
-              <a:rPr lang="ko-KR" altLang="en-US" sz="1200">
+              <a:rPr lang="ko-KR" altLang="en-US" sz="1200" dirty="0">
+                <a:solidFill>
+                  <a:schemeClr val="accent6"/>
+                </a:solidFill>
                 <a:latin typeface="NanumBarunGothic" panose="020B0603020101020101" pitchFamily="34" charset="-127"/>
                 <a:ea typeface="NanumBarunGothic" panose="020B0603020101020101" pitchFamily="34" charset="-127"/>
               </a:rPr>
               <a:t>표 </a:t>
             </a:r>
             <a:r>
-              <a:rPr lang="en-US" altLang="ko-KR" sz="1200">
+              <a:rPr lang="en-US" altLang="ko-KR" sz="1200" dirty="0">
+                <a:solidFill>
+                  <a:schemeClr val="accent6"/>
+                </a:solidFill>
                 <a:latin typeface="NanumBarunGothic" panose="020B0603020101020101" pitchFamily="34" charset="-127"/>
                 <a:ea typeface="NanumBarunGothic" panose="020B0603020101020101" pitchFamily="34" charset="-127"/>
               </a:rPr>
               <a:t>3</a:t>
             </a:r>
             <a:r>
-              <a:rPr lang="ko-KR" altLang="en-US" sz="1200">
+              <a:rPr lang="ko-KR" altLang="en-US" sz="1200" dirty="0">
+                <a:solidFill>
+                  <a:schemeClr val="accent6"/>
+                </a:solidFill>
                 <a:latin typeface="NanumBarunGothic" panose="020B0603020101020101" pitchFamily="34" charset="-127"/>
                 <a:ea typeface="NanumBarunGothic" panose="020B0603020101020101" pitchFamily="34" charset="-127"/>
               </a:rPr>
               <a:t>을 보면 음절 기반 시스템이 쓰기와 말하기에서 더 나은 성능을 보여줍니다</a:t>
             </a:r>
             <a:r>
-              <a:rPr lang="en-US" altLang="ko-KR" sz="1200">
+              <a:rPr lang="en-US" altLang="ko-KR" sz="1200" dirty="0">
+                <a:solidFill>
+                  <a:schemeClr val="accent6"/>
+                </a:solidFill>
                 <a:latin typeface="NanumBarunGothic" panose="020B0603020101020101" pitchFamily="34" charset="-127"/>
                 <a:ea typeface="NanumBarunGothic" panose="020B0603020101020101" pitchFamily="34" charset="-127"/>
               </a:rPr>
               <a:t>. </a:t>
             </a:r>
             <a:r>
-              <a:rPr lang="ko-KR" altLang="en-US" sz="1200">
+              <a:rPr lang="ko-KR" altLang="en-US" sz="1200" dirty="0">
+                <a:solidFill>
+                  <a:schemeClr val="accent6"/>
+                </a:solidFill>
                 <a:latin typeface="NanumBarunGothic" panose="020B0603020101020101" pitchFamily="34" charset="-127"/>
                 <a:ea typeface="NanumBarunGothic" panose="020B0603020101020101" pitchFamily="34" charset="-127"/>
               </a:rPr>
               <a:t>심지어는 사전 기반</a:t>
             </a:r>
             <a:r>
-              <a:rPr lang="en-US" altLang="ko-KR" sz="1200">
+              <a:rPr lang="en-US" altLang="ko-KR" sz="1200" dirty="0">
+                <a:solidFill>
+                  <a:schemeClr val="accent6"/>
+                </a:solidFill>
                 <a:latin typeface="NanumBarunGothic" panose="020B0603020101020101" pitchFamily="34" charset="-127"/>
                 <a:ea typeface="NanumBarunGothic" panose="020B0603020101020101" pitchFamily="34" charset="-127"/>
               </a:rPr>
               <a:t>(written)</a:t>
             </a:r>
             <a:r>
-              <a:rPr lang="ko-KR" altLang="en-US" sz="1200">
+              <a:rPr lang="ko-KR" altLang="en-US" sz="1200" dirty="0">
+                <a:solidFill>
+                  <a:schemeClr val="accent6"/>
+                </a:solidFill>
                 <a:latin typeface="NanumBarunGothic" panose="020B0603020101020101" pitchFamily="34" charset="-127"/>
                 <a:ea typeface="NanumBarunGothic" panose="020B0603020101020101" pitchFamily="34" charset="-127"/>
               </a:rPr>
               <a:t>보다 훨씬 더 나은 성능을 보여줍니다</a:t>
             </a:r>
             <a:r>
-              <a:rPr lang="en-US" altLang="ko-KR" sz="1200">
+              <a:rPr lang="en-US" altLang="ko-KR" sz="1200" dirty="0">
+                <a:solidFill>
+                  <a:schemeClr val="accent6"/>
+                </a:solidFill>
                 <a:latin typeface="NanumBarunGothic" panose="020B0603020101020101" pitchFamily="34" charset="-127"/>
                 <a:ea typeface="NanumBarunGothic" panose="020B0603020101020101" pitchFamily="34" charset="-127"/>
               </a:rPr>
               <a:t>. </a:t>
             </a:r>
             <a:r>
-              <a:rPr lang="ko-KR" altLang="en-US" sz="1200">
+              <a:rPr lang="ko-KR" altLang="en-US" sz="1200" dirty="0">
+                <a:solidFill>
+                  <a:schemeClr val="accent6"/>
+                </a:solidFill>
                 <a:latin typeface="NanumBarunGothic" panose="020B0603020101020101" pitchFamily="34" charset="-127"/>
                 <a:ea typeface="NanumBarunGothic" panose="020B0603020101020101" pitchFamily="34" charset="-127"/>
               </a:rPr>
               <a:t>음절 기반이 더 나은 성능을 보이는 특별한 이유가 있나요</a:t>
             </a:r>
             <a:r>
-              <a:rPr lang="en-US" altLang="ko-KR" sz="1200">
+              <a:rPr lang="en-US" altLang="ko-KR" sz="1200" dirty="0">
+                <a:solidFill>
+                  <a:schemeClr val="accent6"/>
+                </a:solidFill>
                 <a:latin typeface="NanumBarunGothic" panose="020B0603020101020101" pitchFamily="34" charset="-127"/>
                 <a:ea typeface="NanumBarunGothic" panose="020B0603020101020101" pitchFamily="34" charset="-127"/>
               </a:rPr>
               <a:t>? </a:t>
             </a:r>
             <a:r>
-              <a:rPr lang="ko-KR" altLang="en-US" sz="1200">
+              <a:rPr lang="ko-KR" altLang="en-US" sz="1200" dirty="0">
+                <a:solidFill>
+                  <a:schemeClr val="accent6"/>
+                </a:solidFill>
                 <a:latin typeface="NanumBarunGothic" panose="020B0603020101020101" pitchFamily="34" charset="-127"/>
                 <a:ea typeface="NanumBarunGothic" panose="020B0603020101020101" pitchFamily="34" charset="-127"/>
               </a:rPr>
               <a:t>이에 대한 통찰을 설명해 주시면 좋을 것 같습니다</a:t>
             </a:r>
             <a:r>
-              <a:rPr lang="en-US" altLang="ko-KR" sz="1200">
+              <a:rPr lang="en-US" altLang="ko-KR" sz="1200" dirty="0">
+                <a:solidFill>
+                  <a:schemeClr val="accent6"/>
+                </a:solidFill>
                 <a:latin typeface="NanumBarunGothic" panose="020B0603020101020101" pitchFamily="34" charset="-127"/>
                 <a:ea typeface="NanumBarunGothic" panose="020B0603020101020101" pitchFamily="34" charset="-127"/>
               </a:rPr>
@@ -7050,77 +7132,110 @@
               <a:buNone/>
             </a:pPr>
             <a:r>
-              <a:rPr lang="en-US" altLang="ko-KR" sz="1200">
+              <a:rPr lang="en-US" altLang="ko-KR" sz="1200" dirty="0">
+                <a:solidFill>
+                  <a:schemeClr val="accent6"/>
+                </a:solidFill>
                 <a:latin typeface="NanumBarunGothic" panose="020B0603020101020101" pitchFamily="34" charset="-127"/>
                 <a:ea typeface="NanumBarunGothic" panose="020B0603020101020101" pitchFamily="34" charset="-127"/>
               </a:rPr>
               <a:t>2. </a:t>
             </a:r>
             <a:r>
-              <a:rPr lang="ko-KR" altLang="en-US" sz="1200">
+              <a:rPr lang="ko-KR" altLang="en-US" sz="1200" dirty="0">
+                <a:solidFill>
+                  <a:schemeClr val="accent6"/>
+                </a:solidFill>
                 <a:latin typeface="NanumBarunGothic" panose="020B0603020101020101" pitchFamily="34" charset="-127"/>
                 <a:ea typeface="NanumBarunGothic" panose="020B0603020101020101" pitchFamily="34" charset="-127"/>
               </a:rPr>
               <a:t>표 </a:t>
             </a:r>
             <a:r>
-              <a:rPr lang="en-US" altLang="ko-KR" sz="1200">
+              <a:rPr lang="en-US" altLang="ko-KR" sz="1200" dirty="0">
+                <a:solidFill>
+                  <a:schemeClr val="accent6"/>
+                </a:solidFill>
                 <a:latin typeface="NanumBarunGothic" panose="020B0603020101020101" pitchFamily="34" charset="-127"/>
                 <a:ea typeface="NanumBarunGothic" panose="020B0603020101020101" pitchFamily="34" charset="-127"/>
               </a:rPr>
               <a:t>4</a:t>
             </a:r>
             <a:r>
-              <a:rPr lang="ko-KR" altLang="en-US" sz="1200">
+              <a:rPr lang="ko-KR" altLang="en-US" sz="1200" dirty="0">
+                <a:solidFill>
+                  <a:schemeClr val="accent6"/>
+                </a:solidFill>
                 <a:latin typeface="NanumBarunGothic" panose="020B0603020101020101" pitchFamily="34" charset="-127"/>
                 <a:ea typeface="NanumBarunGothic" panose="020B0603020101020101" pitchFamily="34" charset="-127"/>
               </a:rPr>
               <a:t>를 보면 사전 기반 재순위가 모든 경우에서 더 나은 성능을 보여줍니다</a:t>
             </a:r>
             <a:r>
-              <a:rPr lang="en-US" altLang="ko-KR" sz="1200">
+              <a:rPr lang="en-US" altLang="ko-KR" sz="1200" dirty="0">
+                <a:solidFill>
+                  <a:schemeClr val="accent6"/>
+                </a:solidFill>
                 <a:latin typeface="NanumBarunGothic" panose="020B0603020101020101" pitchFamily="34" charset="-127"/>
                 <a:ea typeface="NanumBarunGothic" panose="020B0603020101020101" pitchFamily="34" charset="-127"/>
               </a:rPr>
               <a:t>. </a:t>
             </a:r>
             <a:r>
-              <a:rPr lang="ko-KR" altLang="en-US" sz="1200">
+              <a:rPr lang="ko-KR" altLang="en-US" sz="1200" dirty="0">
+                <a:solidFill>
+                  <a:schemeClr val="accent6"/>
+                </a:solidFill>
                 <a:latin typeface="NanumBarunGothic" panose="020B0603020101020101" pitchFamily="34" charset="-127"/>
                 <a:ea typeface="NanumBarunGothic" panose="020B0603020101020101" pitchFamily="34" charset="-127"/>
               </a:rPr>
               <a:t>그러나 음절 기반은 </a:t>
             </a:r>
             <a:r>
-              <a:rPr lang="en-US" altLang="ko-KR" sz="1200">
+              <a:rPr lang="en-US" altLang="ko-KR" sz="1200" dirty="0">
+                <a:solidFill>
+                  <a:schemeClr val="accent6"/>
+                </a:solidFill>
                 <a:latin typeface="NanumBarunGothic" panose="020B0603020101020101" pitchFamily="34" charset="-127"/>
                 <a:ea typeface="NanumBarunGothic" panose="020B0603020101020101" pitchFamily="34" charset="-127"/>
               </a:rPr>
               <a:t>UC+EC(written and spoken)</a:t>
             </a:r>
             <a:r>
-              <a:rPr lang="ko-KR" altLang="en-US" sz="1200">
+              <a:rPr lang="ko-KR" altLang="en-US" sz="1200" dirty="0">
+                <a:solidFill>
+                  <a:schemeClr val="accent6"/>
+                </a:solidFill>
                 <a:latin typeface="NanumBarunGothic" panose="020B0603020101020101" pitchFamily="34" charset="-127"/>
                 <a:ea typeface="NanumBarunGothic" panose="020B0603020101020101" pitchFamily="34" charset="-127"/>
               </a:rPr>
               <a:t>에서 경쟁력이 있는 성능을 보여줍니다</a:t>
             </a:r>
             <a:r>
-              <a:rPr lang="en-US" altLang="ko-KR" sz="1200">
+              <a:rPr lang="en-US" altLang="ko-KR" sz="1200" dirty="0">
+                <a:solidFill>
+                  <a:schemeClr val="accent6"/>
+                </a:solidFill>
                 <a:latin typeface="NanumBarunGothic" panose="020B0603020101020101" pitchFamily="34" charset="-127"/>
                 <a:ea typeface="NanumBarunGothic" panose="020B0603020101020101" pitchFamily="34" charset="-127"/>
               </a:rPr>
               <a:t>. </a:t>
             </a:r>
             <a:r>
-              <a:rPr lang="ko-KR" altLang="en-US" sz="1200">
+              <a:rPr lang="ko-KR" altLang="en-US" sz="1200" dirty="0">
+                <a:solidFill>
+                  <a:schemeClr val="accent6"/>
+                </a:solidFill>
                 <a:latin typeface="NanumBarunGothic" panose="020B0603020101020101" pitchFamily="34" charset="-127"/>
                 <a:ea typeface="NanumBarunGothic" panose="020B0603020101020101" pitchFamily="34" charset="-127"/>
               </a:rPr>
               <a:t>그 이유를 설명하거나 추측할 수 있나요</a:t>
             </a:r>
             <a:r>
-              <a:rPr lang="en-US" altLang="ko-KR" sz="1200">
+              <a:rPr lang="en-US" altLang="ko-KR" sz="1200" dirty="0">
+                <a:solidFill>
+                  <a:schemeClr val="accent6"/>
+                </a:solidFill>
                 <a:latin typeface="NanumBarunGothic" panose="020B0603020101020101" pitchFamily="34" charset="-127"/>
                 <a:ea typeface="NanumBarunGothic" panose="020B0603020101020101" pitchFamily="34" charset="-127"/>
               </a:rPr>
@@ -7135,105 +7250,150 @@
               <a:buNone/>
             </a:pPr>
             <a:r>
-              <a:rPr lang="en-US" altLang="ko-KR" sz="1200">
+              <a:rPr lang="en-US" altLang="ko-KR" sz="1200" dirty="0">
+                <a:solidFill>
+                  <a:schemeClr val="accent6"/>
+                </a:solidFill>
                 <a:latin typeface="NanumBarunGothic" panose="020B0603020101020101" pitchFamily="34" charset="-127"/>
                 <a:ea typeface="NanumBarunGothic" panose="020B0603020101020101" pitchFamily="34" charset="-127"/>
               </a:rPr>
               <a:t>3. 9</a:t>
             </a:r>
             <a:r>
-              <a:rPr lang="ko-KR" altLang="en-US" sz="1200">
+              <a:rPr lang="ko-KR" altLang="en-US" sz="1200" dirty="0">
+                <a:solidFill>
+                  <a:schemeClr val="accent6"/>
+                </a:solidFill>
                 <a:latin typeface="NanumBarunGothic" panose="020B0603020101020101" pitchFamily="34" charset="-127"/>
                 <a:ea typeface="NanumBarunGothic" panose="020B0603020101020101" pitchFamily="34" charset="-127"/>
               </a:rPr>
               <a:t>페이지</a:t>
             </a:r>
             <a:r>
-              <a:rPr lang="en-US" altLang="ko-KR" sz="1200">
+              <a:rPr lang="en-US" altLang="ko-KR" sz="1200" dirty="0">
+                <a:solidFill>
+                  <a:schemeClr val="accent6"/>
+                </a:solidFill>
                 <a:latin typeface="NanumBarunGothic" panose="020B0603020101020101" pitchFamily="34" charset="-127"/>
                 <a:ea typeface="NanumBarunGothic" panose="020B0603020101020101" pitchFamily="34" charset="-127"/>
               </a:rPr>
               <a:t>: </a:t>
             </a:r>
             <a:r>
-              <a:rPr lang="ko-KR" altLang="en-US" sz="1200">
+              <a:rPr lang="ko-KR" altLang="en-US" sz="1200" dirty="0">
+                <a:solidFill>
+                  <a:schemeClr val="accent6"/>
+                </a:solidFill>
                 <a:latin typeface="NanumBarunGothic" panose="020B0603020101020101" pitchFamily="34" charset="-127"/>
                 <a:ea typeface="NanumBarunGothic" panose="020B0603020101020101" pitchFamily="34" charset="-127"/>
               </a:rPr>
               <a:t>왼쪽 아래에서 다섯 번째 줄</a:t>
             </a:r>
             <a:r>
-              <a:rPr lang="en-US" altLang="ko-KR" sz="1200">
+              <a:rPr lang="en-US" altLang="ko-KR" sz="1200" dirty="0">
+                <a:solidFill>
+                  <a:schemeClr val="accent6"/>
+                </a:solidFill>
                 <a:latin typeface="NanumBarunGothic" panose="020B0603020101020101" pitchFamily="34" charset="-127"/>
                 <a:ea typeface="NanumBarunGothic" panose="020B0603020101020101" pitchFamily="34" charset="-127"/>
               </a:rPr>
               <a:t>: </a:t>
             </a:r>
             <a:r>
-              <a:rPr lang="ko-KR" altLang="en-US" sz="1200">
+              <a:rPr lang="ko-KR" altLang="en-US" sz="1200" dirty="0">
+                <a:solidFill>
+                  <a:schemeClr val="accent6"/>
+                </a:solidFill>
                 <a:latin typeface="NanumBarunGothic" panose="020B0603020101020101" pitchFamily="34" charset="-127"/>
                 <a:ea typeface="NanumBarunGothic" panose="020B0603020101020101" pitchFamily="34" charset="-127"/>
               </a:rPr>
               <a:t>이러한 성능 향상</a:t>
             </a:r>
             <a:r>
-              <a:rPr lang="en-US" altLang="ko-KR" sz="1200">
+              <a:rPr lang="en-US" altLang="ko-KR" sz="1200" dirty="0">
+                <a:solidFill>
+                  <a:schemeClr val="accent6"/>
+                </a:solidFill>
                 <a:latin typeface="NanumBarunGothic" panose="020B0603020101020101" pitchFamily="34" charset="-127"/>
                 <a:ea typeface="NanumBarunGothic" panose="020B0603020101020101" pitchFamily="34" charset="-127"/>
               </a:rPr>
               <a:t>.... UC+EC(written </a:t>
             </a:r>
             <a:r>
-              <a:rPr lang="ko-KR" altLang="en-US" sz="1200">
+              <a:rPr lang="ko-KR" altLang="en-US" sz="1200" dirty="0">
+                <a:solidFill>
+                  <a:schemeClr val="accent6"/>
+                </a:solidFill>
                 <a:latin typeface="NanumBarunGothic" panose="020B0603020101020101" pitchFamily="34" charset="-127"/>
                 <a:ea typeface="NanumBarunGothic" panose="020B0603020101020101" pitchFamily="34" charset="-127"/>
               </a:rPr>
               <a:t>및 </a:t>
             </a:r>
             <a:r>
-              <a:rPr lang="en-US" altLang="ko-KR" sz="1200">
+              <a:rPr lang="en-US" altLang="ko-KR" sz="1200" dirty="0">
+                <a:solidFill>
+                  <a:schemeClr val="accent6"/>
+                </a:solidFill>
                 <a:latin typeface="NanumBarunGothic" panose="020B0603020101020101" pitchFamily="34" charset="-127"/>
                 <a:ea typeface="NanumBarunGothic" panose="020B0603020101020101" pitchFamily="34" charset="-127"/>
               </a:rPr>
               <a:t>spoken)</a:t>
             </a:r>
             <a:r>
-              <a:rPr lang="ko-KR" altLang="en-US" sz="1200">
+              <a:rPr lang="ko-KR" altLang="en-US" sz="1200" dirty="0">
+                <a:solidFill>
+                  <a:schemeClr val="accent6"/>
+                </a:solidFill>
                 <a:latin typeface="NanumBarunGothic" panose="020B0603020101020101" pitchFamily="34" charset="-127"/>
                 <a:ea typeface="NanumBarunGothic" panose="020B0603020101020101" pitchFamily="34" charset="-127"/>
               </a:rPr>
               <a:t>의 경우 표 </a:t>
             </a:r>
             <a:r>
-              <a:rPr lang="en-US" altLang="ko-KR" sz="1200">
+              <a:rPr lang="en-US" altLang="ko-KR" sz="1200" dirty="0">
+                <a:solidFill>
+                  <a:schemeClr val="accent6"/>
+                </a:solidFill>
                 <a:latin typeface="NanumBarunGothic" panose="020B0603020101020101" pitchFamily="34" charset="-127"/>
                 <a:ea typeface="NanumBarunGothic" panose="020B0603020101020101" pitchFamily="34" charset="-127"/>
               </a:rPr>
               <a:t>4</a:t>
             </a:r>
             <a:r>
-              <a:rPr lang="ko-KR" altLang="en-US" sz="1200">
+              <a:rPr lang="ko-KR" altLang="en-US" sz="1200" dirty="0">
+                <a:solidFill>
+                  <a:schemeClr val="accent6"/>
+                </a:solidFill>
                 <a:latin typeface="NanumBarunGothic" panose="020B0603020101020101" pitchFamily="34" charset="-127"/>
                 <a:ea typeface="NanumBarunGothic" panose="020B0603020101020101" pitchFamily="34" charset="-127"/>
               </a:rPr>
               <a:t>에 동의하기가 매우 어렵습니다</a:t>
             </a:r>
             <a:r>
-              <a:rPr lang="en-US" altLang="ko-KR" sz="1200">
+              <a:rPr lang="en-US" altLang="ko-KR" sz="1200" dirty="0">
+                <a:solidFill>
+                  <a:schemeClr val="accent6"/>
+                </a:solidFill>
                 <a:latin typeface="NanumBarunGothic" panose="020B0603020101020101" pitchFamily="34" charset="-127"/>
                 <a:ea typeface="NanumBarunGothic" panose="020B0603020101020101" pitchFamily="34" charset="-127"/>
               </a:rPr>
               <a:t>.  </a:t>
             </a:r>
             <a:r>
-              <a:rPr lang="ko-KR" altLang="en-US" sz="1200">
+              <a:rPr lang="ko-KR" altLang="en-US" sz="1200" dirty="0">
+                <a:solidFill>
+                  <a:schemeClr val="accent6"/>
+                </a:solidFill>
                 <a:latin typeface="NanumBarunGothic" panose="020B0603020101020101" pitchFamily="34" charset="-127"/>
                 <a:ea typeface="NanumBarunGothic" panose="020B0603020101020101" pitchFamily="34" charset="-127"/>
               </a:rPr>
               <a:t>음절 기반과의 차이는 기껏해야 미미합니다</a:t>
             </a:r>
             <a:r>
-              <a:rPr lang="en-US" altLang="ko-KR" sz="1200">
+              <a:rPr lang="en-US" altLang="ko-KR" sz="1200" dirty="0">
+                <a:solidFill>
+                  <a:schemeClr val="accent6"/>
+                </a:solidFill>
                 <a:latin typeface="NanumBarunGothic" panose="020B0603020101020101" pitchFamily="34" charset="-127"/>
                 <a:ea typeface="NanumBarunGothic" panose="020B0603020101020101" pitchFamily="34" charset="-127"/>
               </a:rPr>
@@ -7248,153 +7408,153 @@
               <a:buNone/>
             </a:pPr>
             <a:r>
-              <a:rPr lang="en-US" altLang="ko-KR" sz="1200">
+              <a:rPr lang="en-US" altLang="ko-KR" sz="1200" dirty="0">
                 <a:latin typeface="NanumBarunGothic" panose="020B0603020101020101" pitchFamily="34" charset="-127"/>
                 <a:ea typeface="NanumBarunGothic" panose="020B0603020101020101" pitchFamily="34" charset="-127"/>
               </a:rPr>
               <a:t>4. </a:t>
             </a:r>
             <a:r>
-              <a:rPr lang="ko-KR" altLang="en-US" sz="1200">
+              <a:rPr lang="ko-KR" altLang="en-US" sz="1200" dirty="0">
                 <a:latin typeface="NanumBarunGothic" panose="020B0603020101020101" pitchFamily="34" charset="-127"/>
                 <a:ea typeface="NanumBarunGothic" panose="020B0603020101020101" pitchFamily="34" charset="-127"/>
               </a:rPr>
               <a:t>표 </a:t>
             </a:r>
             <a:r>
-              <a:rPr lang="en-US" altLang="ko-KR" sz="1200">
+              <a:rPr lang="en-US" altLang="ko-KR" sz="1200" dirty="0">
                 <a:latin typeface="NanumBarunGothic" panose="020B0603020101020101" pitchFamily="34" charset="-127"/>
                 <a:ea typeface="NanumBarunGothic" panose="020B0603020101020101" pitchFamily="34" charset="-127"/>
               </a:rPr>
               <a:t>5: </a:t>
             </a:r>
             <a:r>
-              <a:rPr lang="ko-KR" altLang="en-US" sz="1200">
+              <a:rPr lang="ko-KR" altLang="en-US" sz="1200" dirty="0">
                 <a:latin typeface="NanumBarunGothic" panose="020B0603020101020101" pitchFamily="34" charset="-127"/>
                 <a:ea typeface="NanumBarunGothic" panose="020B0603020101020101" pitchFamily="34" charset="-127"/>
               </a:rPr>
               <a:t>세종 데이터는 다른 접근 방식에서 성능이 좋지 않으며</a:t>
             </a:r>
             <a:r>
-              <a:rPr lang="en-US" altLang="ko-KR" sz="1200">
+              <a:rPr lang="en-US" altLang="ko-KR" sz="1200" dirty="0">
                 <a:latin typeface="NanumBarunGothic" panose="020B0603020101020101" pitchFamily="34" charset="-127"/>
                 <a:ea typeface="NanumBarunGothic" panose="020B0603020101020101" pitchFamily="34" charset="-127"/>
               </a:rPr>
               <a:t>, </a:t>
             </a:r>
             <a:r>
-              <a:rPr lang="ko-KR" altLang="en-US" sz="1200">
+              <a:rPr lang="ko-KR" altLang="en-US" sz="1200" dirty="0">
                 <a:latin typeface="NanumBarunGothic" panose="020B0603020101020101" pitchFamily="34" charset="-127"/>
                 <a:ea typeface="NanumBarunGothic" panose="020B0603020101020101" pitchFamily="34" charset="-127"/>
               </a:rPr>
               <a:t>재순위화를 통해 제안한 방식이 더 나은 성능을 보여줍니다</a:t>
             </a:r>
             <a:r>
-              <a:rPr lang="en-US" altLang="ko-KR" sz="1200">
+              <a:rPr lang="en-US" altLang="ko-KR" sz="1200" dirty="0">
                 <a:latin typeface="NanumBarunGothic" panose="020B0603020101020101" pitchFamily="34" charset="-127"/>
                 <a:ea typeface="NanumBarunGothic" panose="020B0603020101020101" pitchFamily="34" charset="-127"/>
               </a:rPr>
               <a:t>(</a:t>
             </a:r>
             <a:r>
-              <a:rPr lang="ko-KR" altLang="en-US" sz="1200">
+              <a:rPr lang="ko-KR" altLang="en-US" sz="1200" dirty="0">
                 <a:latin typeface="NanumBarunGothic" panose="020B0603020101020101" pitchFamily="34" charset="-127"/>
                 <a:ea typeface="NanumBarunGothic" panose="020B0603020101020101" pitchFamily="34" charset="-127"/>
               </a:rPr>
               <a:t>표 </a:t>
             </a:r>
             <a:r>
-              <a:rPr lang="en-US" altLang="ko-KR" sz="1200">
+              <a:rPr lang="en-US" altLang="ko-KR" sz="1200" dirty="0">
                 <a:latin typeface="NanumBarunGothic" panose="020B0603020101020101" pitchFamily="34" charset="-127"/>
                 <a:ea typeface="NanumBarunGothic" panose="020B0603020101020101" pitchFamily="34" charset="-127"/>
               </a:rPr>
               <a:t>3</a:t>
             </a:r>
             <a:r>
-              <a:rPr lang="ko-KR" altLang="en-US" sz="1200">
+              <a:rPr lang="ko-KR" altLang="en-US" sz="1200" dirty="0">
                 <a:latin typeface="NanumBarunGothic" panose="020B0603020101020101" pitchFamily="34" charset="-127"/>
                 <a:ea typeface="NanumBarunGothic" panose="020B0603020101020101" pitchFamily="34" charset="-127"/>
               </a:rPr>
               <a:t>과 </a:t>
             </a:r>
             <a:r>
-              <a:rPr lang="en-US" altLang="ko-KR" sz="1200">
+              <a:rPr lang="en-US" altLang="ko-KR" sz="1200" dirty="0">
                 <a:latin typeface="NanumBarunGothic" panose="020B0603020101020101" pitchFamily="34" charset="-127"/>
                 <a:ea typeface="NanumBarunGothic" panose="020B0603020101020101" pitchFamily="34" charset="-127"/>
               </a:rPr>
               <a:t>4</a:t>
             </a:r>
             <a:r>
-              <a:rPr lang="ko-KR" altLang="en-US" sz="1200">
+              <a:rPr lang="ko-KR" altLang="en-US" sz="1200" dirty="0">
                 <a:latin typeface="NanumBarunGothic" panose="020B0603020101020101" pitchFamily="34" charset="-127"/>
                 <a:ea typeface="NanumBarunGothic" panose="020B0603020101020101" pitchFamily="34" charset="-127"/>
               </a:rPr>
               <a:t>에서</a:t>
             </a:r>
             <a:r>
-              <a:rPr lang="en-US" altLang="ko-KR" sz="1200">
+              <a:rPr lang="en-US" altLang="ko-KR" sz="1200" dirty="0">
                 <a:latin typeface="NanumBarunGothic" panose="020B0603020101020101" pitchFamily="34" charset="-127"/>
                 <a:ea typeface="NanumBarunGothic" panose="020B0603020101020101" pitchFamily="34" charset="-127"/>
               </a:rPr>
               <a:t>). </a:t>
             </a:r>
             <a:r>
-              <a:rPr lang="ko-KR" altLang="en-US" sz="1200">
+              <a:rPr lang="ko-KR" altLang="en-US" sz="1200" dirty="0">
                 <a:latin typeface="NanumBarunGothic" panose="020B0603020101020101" pitchFamily="34" charset="-127"/>
                 <a:ea typeface="NanumBarunGothic" panose="020B0603020101020101" pitchFamily="34" charset="-127"/>
               </a:rPr>
               <a:t>하지만 표 </a:t>
             </a:r>
             <a:r>
-              <a:rPr lang="en-US" altLang="ko-KR" sz="1200">
+              <a:rPr lang="en-US" altLang="ko-KR" sz="1200" dirty="0">
                 <a:latin typeface="NanumBarunGothic" panose="020B0603020101020101" pitchFamily="34" charset="-127"/>
                 <a:ea typeface="NanumBarunGothic" panose="020B0603020101020101" pitchFamily="34" charset="-127"/>
               </a:rPr>
               <a:t>5</a:t>
             </a:r>
             <a:r>
-              <a:rPr lang="ko-KR" altLang="en-US" sz="1200">
+              <a:rPr lang="ko-KR" altLang="en-US" sz="1200" dirty="0">
                 <a:latin typeface="NanumBarunGothic" panose="020B0603020101020101" pitchFamily="34" charset="-127"/>
                 <a:ea typeface="NanumBarunGothic" panose="020B0603020101020101" pitchFamily="34" charset="-127"/>
               </a:rPr>
               <a:t>는 다른 접근 방식과 비교했을 때 큰 개선을 보이지 않습니다</a:t>
             </a:r>
             <a:r>
-              <a:rPr lang="en-US" altLang="ko-KR" sz="1200">
+              <a:rPr lang="en-US" altLang="ko-KR" sz="1200" dirty="0">
                 <a:latin typeface="NanumBarunGothic" panose="020B0603020101020101" pitchFamily="34" charset="-127"/>
                 <a:ea typeface="NanumBarunGothic" panose="020B0603020101020101" pitchFamily="34" charset="-127"/>
               </a:rPr>
               <a:t>. </a:t>
             </a:r>
             <a:r>
-              <a:rPr lang="ko-KR" altLang="en-US" sz="1200">
+              <a:rPr lang="ko-KR" altLang="en-US" sz="1200" dirty="0">
                 <a:latin typeface="NanumBarunGothic" panose="020B0603020101020101" pitchFamily="34" charset="-127"/>
                 <a:ea typeface="NanumBarunGothic" panose="020B0603020101020101" pitchFamily="34" charset="-127"/>
               </a:rPr>
               <a:t>다른 데이터 집합으로 시도해 보셨나요</a:t>
             </a:r>
             <a:r>
-              <a:rPr lang="en-US" altLang="ko-KR" sz="1200">
+              <a:rPr lang="en-US" altLang="ko-KR" sz="1200" dirty="0">
                 <a:latin typeface="NanumBarunGothic" panose="020B0603020101020101" pitchFamily="34" charset="-127"/>
                 <a:ea typeface="NanumBarunGothic" panose="020B0603020101020101" pitchFamily="34" charset="-127"/>
               </a:rPr>
               <a:t>? </a:t>
             </a:r>
             <a:r>
-              <a:rPr lang="ko-KR" altLang="en-US" sz="1200">
+              <a:rPr lang="ko-KR" altLang="en-US" sz="1200" dirty="0">
                 <a:latin typeface="NanumBarunGothic" panose="020B0603020101020101" pitchFamily="34" charset="-127"/>
                 <a:ea typeface="NanumBarunGothic" panose="020B0603020101020101" pitchFamily="34" charset="-127"/>
               </a:rPr>
               <a:t>다른 데이터셋에서도 얼마나 개선될지 확실하지 않습니다</a:t>
             </a:r>
             <a:r>
-              <a:rPr lang="en-US" altLang="ko-KR" sz="1200">
+              <a:rPr lang="en-US" altLang="ko-KR" sz="1200" dirty="0">
                 <a:latin typeface="NanumBarunGothic" panose="020B0603020101020101" pitchFamily="34" charset="-127"/>
                 <a:ea typeface="NanumBarunGothic" panose="020B0603020101020101" pitchFamily="34" charset="-127"/>
               </a:rPr>
               <a:t>.</a:t>
             </a:r>
-            <a:endParaRPr lang="ko-KR" altLang="en-US" sz="1200">
+            <a:endParaRPr lang="ko-KR" altLang="en-US" sz="1200" dirty="0">
               <a:latin typeface="NanumBarunGothic" panose="020B0603020101020101" pitchFamily="34" charset="-127"/>
               <a:ea typeface="NanumBarunGothic" panose="020B0603020101020101" pitchFamily="34" charset="-127"/>
             </a:endParaRPr>

--- a/contents/review.pptx
+++ b/contents/review.pptx
@@ -6852,10 +6852,23 @@
                 <a:latin typeface="NanumBarunGothic" panose="020B0603020101020101" pitchFamily="34" charset="-127"/>
                 <a:ea typeface="NanumBarunGothic" panose="020B0603020101020101" pitchFamily="34" charset="-127"/>
               </a:rPr>
-              <a:t>4. Table 5: Sejong data shows poor performance in other approaches and proposed with </a:t>
+              <a:t>4. </a:t>
+            </a:r>
+            <a:r>
+              <a:rPr lang="en-US" altLang="ko-KR" sz="1200" dirty="0">
+                <a:solidFill>
+                  <a:schemeClr val="accent6"/>
+                </a:solidFill>
+                <a:latin typeface="NanumBarunGothic" panose="020B0603020101020101" pitchFamily="34" charset="-127"/>
+                <a:ea typeface="NanumBarunGothic" panose="020B0603020101020101" pitchFamily="34" charset="-127"/>
+              </a:rPr>
+              <a:t>Table 5: Sejong data shows poor performance in other approaches and proposed with </a:t>
             </a:r>
             <a:r>
               <a:rPr lang="en-US" altLang="ko-KR" sz="1200" dirty="0" err="1">
+                <a:solidFill>
+                  <a:schemeClr val="accent6"/>
+                </a:solidFill>
                 <a:latin typeface="NanumBarunGothic" panose="020B0603020101020101" pitchFamily="34" charset="-127"/>
                 <a:ea typeface="NanumBarunGothic" panose="020B0603020101020101" pitchFamily="34" charset="-127"/>
               </a:rPr>
@@ -6863,6 +6876,9 @@
             </a:r>
             <a:r>
               <a:rPr lang="en-US" altLang="ko-KR" sz="1200" dirty="0">
+                <a:solidFill>
+                  <a:schemeClr val="accent6"/>
+                </a:solidFill>
                 <a:latin typeface="NanumBarunGothic" panose="020B0603020101020101" pitchFamily="34" charset="-127"/>
                 <a:ea typeface="NanumBarunGothic" panose="020B0603020101020101" pitchFamily="34" charset="-127"/>
               </a:rPr>
@@ -7409,6 +7425,9 @@
             </a:pPr>
             <a:r>
               <a:rPr lang="en-US" altLang="ko-KR" sz="1200" dirty="0">
+                <a:solidFill>
+                  <a:schemeClr val="accent6"/>
+                </a:solidFill>
                 <a:latin typeface="NanumBarunGothic" panose="020B0603020101020101" pitchFamily="34" charset="-127"/>
                 <a:ea typeface="NanumBarunGothic" panose="020B0603020101020101" pitchFamily="34" charset="-127"/>
               </a:rPr>
@@ -7416,6 +7435,9 @@
             </a:r>
             <a:r>
               <a:rPr lang="ko-KR" altLang="en-US" sz="1200" dirty="0">
+                <a:solidFill>
+                  <a:schemeClr val="accent6"/>
+                </a:solidFill>
                 <a:latin typeface="NanumBarunGothic" panose="020B0603020101020101" pitchFamily="34" charset="-127"/>
                 <a:ea typeface="NanumBarunGothic" panose="020B0603020101020101" pitchFamily="34" charset="-127"/>
               </a:rPr>
@@ -7423,6 +7445,9 @@
             </a:r>
             <a:r>
               <a:rPr lang="en-US" altLang="ko-KR" sz="1200" dirty="0">
+                <a:solidFill>
+                  <a:schemeClr val="accent6"/>
+                </a:solidFill>
                 <a:latin typeface="NanumBarunGothic" panose="020B0603020101020101" pitchFamily="34" charset="-127"/>
                 <a:ea typeface="NanumBarunGothic" panose="020B0603020101020101" pitchFamily="34" charset="-127"/>
               </a:rPr>
@@ -7430,6 +7455,9 @@
             </a:r>
             <a:r>
               <a:rPr lang="ko-KR" altLang="en-US" sz="1200" dirty="0">
+                <a:solidFill>
+                  <a:schemeClr val="accent6"/>
+                </a:solidFill>
                 <a:latin typeface="NanumBarunGothic" panose="020B0603020101020101" pitchFamily="34" charset="-127"/>
                 <a:ea typeface="NanumBarunGothic" panose="020B0603020101020101" pitchFamily="34" charset="-127"/>
               </a:rPr>
@@ -7437,6 +7465,9 @@
             </a:r>
             <a:r>
               <a:rPr lang="en-US" altLang="ko-KR" sz="1200" dirty="0">
+                <a:solidFill>
+                  <a:schemeClr val="accent6"/>
+                </a:solidFill>
                 <a:latin typeface="NanumBarunGothic" panose="020B0603020101020101" pitchFamily="34" charset="-127"/>
                 <a:ea typeface="NanumBarunGothic" panose="020B0603020101020101" pitchFamily="34" charset="-127"/>
               </a:rPr>
@@ -7444,6 +7475,9 @@
             </a:r>
             <a:r>
               <a:rPr lang="ko-KR" altLang="en-US" sz="1200" dirty="0">
+                <a:solidFill>
+                  <a:schemeClr val="accent6"/>
+                </a:solidFill>
                 <a:latin typeface="NanumBarunGothic" panose="020B0603020101020101" pitchFamily="34" charset="-127"/>
                 <a:ea typeface="NanumBarunGothic" panose="020B0603020101020101" pitchFamily="34" charset="-127"/>
               </a:rPr>
@@ -7451,6 +7485,9 @@
             </a:r>
             <a:r>
               <a:rPr lang="en-US" altLang="ko-KR" sz="1200" dirty="0">
+                <a:solidFill>
+                  <a:schemeClr val="accent6"/>
+                </a:solidFill>
                 <a:latin typeface="NanumBarunGothic" panose="020B0603020101020101" pitchFamily="34" charset="-127"/>
                 <a:ea typeface="NanumBarunGothic" panose="020B0603020101020101" pitchFamily="34" charset="-127"/>
               </a:rPr>
@@ -7458,6 +7495,9 @@
             </a:r>
             <a:r>
               <a:rPr lang="ko-KR" altLang="en-US" sz="1200" dirty="0">
+                <a:solidFill>
+                  <a:schemeClr val="accent6"/>
+                </a:solidFill>
                 <a:latin typeface="NanumBarunGothic" panose="020B0603020101020101" pitchFamily="34" charset="-127"/>
                 <a:ea typeface="NanumBarunGothic" panose="020B0603020101020101" pitchFamily="34" charset="-127"/>
               </a:rPr>
@@ -7465,6 +7505,9 @@
             </a:r>
             <a:r>
               <a:rPr lang="en-US" altLang="ko-KR" sz="1200" dirty="0">
+                <a:solidFill>
+                  <a:schemeClr val="accent6"/>
+                </a:solidFill>
                 <a:latin typeface="NanumBarunGothic" panose="020B0603020101020101" pitchFamily="34" charset="-127"/>
                 <a:ea typeface="NanumBarunGothic" panose="020B0603020101020101" pitchFamily="34" charset="-127"/>
               </a:rPr>
@@ -7472,6 +7515,9 @@
             </a:r>
             <a:r>
               <a:rPr lang="ko-KR" altLang="en-US" sz="1200" dirty="0">
+                <a:solidFill>
+                  <a:schemeClr val="accent6"/>
+                </a:solidFill>
                 <a:latin typeface="NanumBarunGothic" panose="020B0603020101020101" pitchFamily="34" charset="-127"/>
                 <a:ea typeface="NanumBarunGothic" panose="020B0603020101020101" pitchFamily="34" charset="-127"/>
               </a:rPr>
@@ -7479,6 +7525,9 @@
             </a:r>
             <a:r>
               <a:rPr lang="en-US" altLang="ko-KR" sz="1200" dirty="0">
+                <a:solidFill>
+                  <a:schemeClr val="accent6"/>
+                </a:solidFill>
                 <a:latin typeface="NanumBarunGothic" panose="020B0603020101020101" pitchFamily="34" charset="-127"/>
                 <a:ea typeface="NanumBarunGothic" panose="020B0603020101020101" pitchFamily="34" charset="-127"/>
               </a:rPr>
@@ -7486,6 +7535,9 @@
             </a:r>
             <a:r>
               <a:rPr lang="ko-KR" altLang="en-US" sz="1200" dirty="0">
+                <a:solidFill>
+                  <a:schemeClr val="accent6"/>
+                </a:solidFill>
                 <a:latin typeface="NanumBarunGothic" panose="020B0603020101020101" pitchFamily="34" charset="-127"/>
                 <a:ea typeface="NanumBarunGothic" panose="020B0603020101020101" pitchFamily="34" charset="-127"/>
               </a:rPr>
@@ -7493,6 +7545,9 @@
             </a:r>
             <a:r>
               <a:rPr lang="en-US" altLang="ko-KR" sz="1200" dirty="0">
+                <a:solidFill>
+                  <a:schemeClr val="accent6"/>
+                </a:solidFill>
                 <a:latin typeface="NanumBarunGothic" panose="020B0603020101020101" pitchFamily="34" charset="-127"/>
                 <a:ea typeface="NanumBarunGothic" panose="020B0603020101020101" pitchFamily="34" charset="-127"/>
               </a:rPr>
@@ -7500,6 +7555,9 @@
             </a:r>
             <a:r>
               <a:rPr lang="ko-KR" altLang="en-US" sz="1200" dirty="0">
+                <a:solidFill>
+                  <a:schemeClr val="accent6"/>
+                </a:solidFill>
                 <a:latin typeface="NanumBarunGothic" panose="020B0603020101020101" pitchFamily="34" charset="-127"/>
                 <a:ea typeface="NanumBarunGothic" panose="020B0603020101020101" pitchFamily="34" charset="-127"/>
               </a:rPr>
@@ -7507,6 +7565,9 @@
             </a:r>
             <a:r>
               <a:rPr lang="en-US" altLang="ko-KR" sz="1200" dirty="0">
+                <a:solidFill>
+                  <a:schemeClr val="accent6"/>
+                </a:solidFill>
                 <a:latin typeface="NanumBarunGothic" panose="020B0603020101020101" pitchFamily="34" charset="-127"/>
                 <a:ea typeface="NanumBarunGothic" panose="020B0603020101020101" pitchFamily="34" charset="-127"/>
               </a:rPr>
@@ -7514,6 +7575,9 @@
             </a:r>
             <a:r>
               <a:rPr lang="ko-KR" altLang="en-US" sz="1200" dirty="0">
+                <a:solidFill>
+                  <a:schemeClr val="accent6"/>
+                </a:solidFill>
                 <a:latin typeface="NanumBarunGothic" panose="020B0603020101020101" pitchFamily="34" charset="-127"/>
                 <a:ea typeface="NanumBarunGothic" panose="020B0603020101020101" pitchFamily="34" charset="-127"/>
               </a:rPr>
@@ -7521,6 +7585,9 @@
             </a:r>
             <a:r>
               <a:rPr lang="en-US" altLang="ko-KR" sz="1200" dirty="0">
+                <a:solidFill>
+                  <a:schemeClr val="accent6"/>
+                </a:solidFill>
                 <a:latin typeface="NanumBarunGothic" panose="020B0603020101020101" pitchFamily="34" charset="-127"/>
                 <a:ea typeface="NanumBarunGothic" panose="020B0603020101020101" pitchFamily="34" charset="-127"/>
               </a:rPr>
@@ -7528,6 +7595,9 @@
             </a:r>
             <a:r>
               <a:rPr lang="ko-KR" altLang="en-US" sz="1200" dirty="0">
+                <a:solidFill>
+                  <a:schemeClr val="accent6"/>
+                </a:solidFill>
                 <a:latin typeface="NanumBarunGothic" panose="020B0603020101020101" pitchFamily="34" charset="-127"/>
                 <a:ea typeface="NanumBarunGothic" panose="020B0603020101020101" pitchFamily="34" charset="-127"/>
               </a:rPr>
@@ -7535,6 +7605,9 @@
             </a:r>
             <a:r>
               <a:rPr lang="en-US" altLang="ko-KR" sz="1200" dirty="0">
+                <a:solidFill>
+                  <a:schemeClr val="accent6"/>
+                </a:solidFill>
                 <a:latin typeface="NanumBarunGothic" panose="020B0603020101020101" pitchFamily="34" charset="-127"/>
                 <a:ea typeface="NanumBarunGothic" panose="020B0603020101020101" pitchFamily="34" charset="-127"/>
               </a:rPr>
@@ -7542,6 +7615,9 @@
             </a:r>
             <a:r>
               <a:rPr lang="ko-KR" altLang="en-US" sz="1200" dirty="0">
+                <a:solidFill>
+                  <a:schemeClr val="accent6"/>
+                </a:solidFill>
                 <a:latin typeface="NanumBarunGothic" panose="020B0603020101020101" pitchFamily="34" charset="-127"/>
                 <a:ea typeface="NanumBarunGothic" panose="020B0603020101020101" pitchFamily="34" charset="-127"/>
               </a:rPr>
@@ -7549,12 +7625,18 @@
             </a:r>
             <a:r>
               <a:rPr lang="en-US" altLang="ko-KR" sz="1200" dirty="0">
+                <a:solidFill>
+                  <a:schemeClr val="accent6"/>
+                </a:solidFill>
                 <a:latin typeface="NanumBarunGothic" panose="020B0603020101020101" pitchFamily="34" charset="-127"/>
                 <a:ea typeface="NanumBarunGothic" panose="020B0603020101020101" pitchFamily="34" charset="-127"/>
               </a:rPr>
               <a:t>.</a:t>
             </a:r>
             <a:endParaRPr lang="ko-KR" altLang="en-US" sz="1200" dirty="0">
+              <a:solidFill>
+                <a:schemeClr val="accent6"/>
+              </a:solidFill>
               <a:latin typeface="NanumBarunGothic" panose="020B0603020101020101" pitchFamily="34" charset="-127"/>
               <a:ea typeface="NanumBarunGothic" panose="020B0603020101020101" pitchFamily="34" charset="-127"/>
             </a:endParaRPr>
